--- a/MovieReviewWebsite/MovieReviewWebsite/Documentation/Sketches/ScreenDesigns.pptx
+++ b/MovieReviewWebsite/MovieReviewWebsite/Documentation/Sketches/ScreenDesigns.pptx
@@ -6,10 +6,11 @@
   </p:sldMasterIdLst>
   <p:sldIdLst>
     <p:sldId id="256" r:id="rId2"/>
-    <p:sldId id="257" r:id="rId3"/>
-    <p:sldId id="260" r:id="rId4"/>
-    <p:sldId id="258" r:id="rId5"/>
-    <p:sldId id="259" r:id="rId6"/>
+    <p:sldId id="261" r:id="rId3"/>
+    <p:sldId id="257" r:id="rId4"/>
+    <p:sldId id="260" r:id="rId5"/>
+    <p:sldId id="258" r:id="rId6"/>
+    <p:sldId id="259" r:id="rId7"/>
   </p:sldIdLst>
   <p:sldSz cx="12192000" cy="6858000"/>
   <p:notesSz cx="6858000" cy="9144000"/>
@@ -114,6 +115,7 @@
         <p14:section name="Home screen" id="{80983628-9DE7-4C4C-BA11-38E99EBC784E}">
           <p14:sldIdLst>
             <p14:sldId id="256"/>
+            <p14:sldId id="261"/>
           </p14:sldIdLst>
         </p14:section>
         <p14:section name="Film Screen" id="{70FFA3F3-43C2-4A1B-93B8-C5676782E90B}">
@@ -3500,6 +3502,332 @@
       </p:grpSpPr>
       <p:sp>
         <p:nvSpPr>
+          <p:cNvPr id="4" name="Rectangle 3"/>
+          <p:cNvSpPr/>
+          <p:nvPr/>
+        </p:nvSpPr>
+        <p:spPr>
+          <a:xfrm>
+            <a:off x="0" y="0"/>
+            <a:ext cx="12192000" cy="731520"/>
+          </a:xfrm>
+          <a:prstGeom prst="rect">
+            <a:avLst/>
+          </a:prstGeom>
+        </p:spPr>
+        <p:style>
+          <a:lnRef idx="2">
+            <a:schemeClr val="accent3">
+              <a:shade val="50000"/>
+            </a:schemeClr>
+          </a:lnRef>
+          <a:fillRef idx="1">
+            <a:schemeClr val="accent3"/>
+          </a:fillRef>
+          <a:effectRef idx="0">
+            <a:schemeClr val="accent3"/>
+          </a:effectRef>
+          <a:fontRef idx="minor">
+            <a:schemeClr val="lt1"/>
+          </a:fontRef>
+        </p:style>
+        <p:txBody>
+          <a:bodyPr rtlCol="0" anchor="ctr"/>
+          <a:lstStyle/>
+          <a:p>
+            <a:pPr algn="ctr"/>
+            <a:endParaRPr lang="en-GB"/>
+          </a:p>
+        </p:txBody>
+      </p:sp>
+      <p:sp>
+        <p:nvSpPr>
+          <p:cNvPr id="5" name="TextBox 4"/>
+          <p:cNvSpPr txBox="1"/>
+          <p:nvPr/>
+        </p:nvSpPr>
+        <p:spPr>
+          <a:xfrm>
+            <a:off x="332508" y="104150"/>
+            <a:ext cx="1571106" cy="523220"/>
+          </a:xfrm>
+          <a:prstGeom prst="rect">
+            <a:avLst/>
+          </a:prstGeom>
+          <a:noFill/>
+        </p:spPr>
+        <p:txBody>
+          <a:bodyPr wrap="square" rtlCol="0">
+            <a:spAutoFit/>
+          </a:bodyPr>
+          <a:lstStyle/>
+          <a:p>
+            <a:r>
+              <a:rPr lang="en-GB" sz="2800" dirty="0" smtClean="0"/>
+              <a:t>FilmBase</a:t>
+            </a:r>
+            <a:endParaRPr lang="en-GB" sz="2800" dirty="0"/>
+          </a:p>
+        </p:txBody>
+      </p:sp>
+      <p:sp>
+        <p:nvSpPr>
+          <p:cNvPr id="6" name="TextBox 5"/>
+          <p:cNvSpPr txBox="1"/>
+          <p:nvPr/>
+        </p:nvSpPr>
+        <p:spPr>
+          <a:xfrm>
+            <a:off x="9260378" y="181094"/>
+            <a:ext cx="939339" cy="369332"/>
+          </a:xfrm>
+          <a:prstGeom prst="rect">
+            <a:avLst/>
+          </a:prstGeom>
+          <a:noFill/>
+        </p:spPr>
+        <p:txBody>
+          <a:bodyPr wrap="square" rtlCol="0">
+            <a:spAutoFit/>
+          </a:bodyPr>
+          <a:lstStyle/>
+          <a:p>
+            <a:r>
+              <a:rPr lang="en-GB" dirty="0" smtClean="0"/>
+              <a:t>Log in</a:t>
+            </a:r>
+            <a:endParaRPr lang="en-GB" dirty="0"/>
+          </a:p>
+        </p:txBody>
+      </p:sp>
+      <p:sp>
+        <p:nvSpPr>
+          <p:cNvPr id="7" name="TextBox 6"/>
+          <p:cNvSpPr txBox="1"/>
+          <p:nvPr/>
+        </p:nvSpPr>
+        <p:spPr>
+          <a:xfrm>
+            <a:off x="10534996" y="181094"/>
+            <a:ext cx="1113906" cy="369332"/>
+          </a:xfrm>
+          <a:prstGeom prst="rect">
+            <a:avLst/>
+          </a:prstGeom>
+          <a:noFill/>
+        </p:spPr>
+        <p:txBody>
+          <a:bodyPr wrap="square" rtlCol="0">
+            <a:spAutoFit/>
+          </a:bodyPr>
+          <a:lstStyle/>
+          <a:p>
+            <a:r>
+              <a:rPr lang="en-GB" dirty="0" smtClean="0"/>
+              <a:t>Register</a:t>
+            </a:r>
+            <a:endParaRPr lang="en-GB" dirty="0"/>
+          </a:p>
+        </p:txBody>
+      </p:sp>
+      <p:sp>
+        <p:nvSpPr>
+          <p:cNvPr id="15" name="Rectangle 14"/>
+          <p:cNvSpPr/>
+          <p:nvPr/>
+        </p:nvSpPr>
+        <p:spPr>
+          <a:xfrm>
+            <a:off x="0" y="6575367"/>
+            <a:ext cx="12192000" cy="282633"/>
+          </a:xfrm>
+          <a:prstGeom prst="rect">
+            <a:avLst/>
+          </a:prstGeom>
+        </p:spPr>
+        <p:style>
+          <a:lnRef idx="2">
+            <a:schemeClr val="accent3">
+              <a:shade val="50000"/>
+            </a:schemeClr>
+          </a:lnRef>
+          <a:fillRef idx="1">
+            <a:schemeClr val="accent3"/>
+          </a:fillRef>
+          <a:effectRef idx="0">
+            <a:schemeClr val="accent3"/>
+          </a:effectRef>
+          <a:fontRef idx="minor">
+            <a:schemeClr val="lt1"/>
+          </a:fontRef>
+        </p:style>
+        <p:txBody>
+          <a:bodyPr rtlCol="0" anchor="ctr"/>
+          <a:lstStyle/>
+          <a:p>
+            <a:pPr algn="ctr"/>
+            <a:endParaRPr lang="en-GB"/>
+          </a:p>
+        </p:txBody>
+      </p:sp>
+      <p:sp>
+        <p:nvSpPr>
+          <p:cNvPr id="16" name="Rectangle 15"/>
+          <p:cNvSpPr/>
+          <p:nvPr/>
+        </p:nvSpPr>
+        <p:spPr>
+          <a:xfrm>
+            <a:off x="2552008" y="2323407"/>
+            <a:ext cx="6392486" cy="2959332"/>
+          </a:xfrm>
+          <a:prstGeom prst="rect">
+            <a:avLst/>
+          </a:prstGeom>
+        </p:spPr>
+        <p:style>
+          <a:lnRef idx="2">
+            <a:schemeClr val="accent4"/>
+          </a:lnRef>
+          <a:fillRef idx="1">
+            <a:schemeClr val="lt1"/>
+          </a:fillRef>
+          <a:effectRef idx="0">
+            <a:schemeClr val="accent4"/>
+          </a:effectRef>
+          <a:fontRef idx="minor">
+            <a:schemeClr val="dk1"/>
+          </a:fontRef>
+        </p:style>
+        <p:txBody>
+          <a:bodyPr rtlCol="0" anchor="ctr"/>
+          <a:lstStyle/>
+          <a:p>
+            <a:pPr algn="ctr"/>
+            <a:r>
+              <a:rPr lang="en-GB" dirty="0" smtClean="0"/>
+              <a:t>List of films</a:t>
+            </a:r>
+            <a:endParaRPr lang="en-GB" dirty="0"/>
+          </a:p>
+        </p:txBody>
+      </p:sp>
+      <p:sp>
+        <p:nvSpPr>
+          <p:cNvPr id="17" name="Rectangle 16"/>
+          <p:cNvSpPr/>
+          <p:nvPr/>
+        </p:nvSpPr>
+        <p:spPr>
+          <a:xfrm>
+            <a:off x="-1" y="731520"/>
+            <a:ext cx="8055033" cy="739832"/>
+          </a:xfrm>
+          <a:prstGeom prst="rect">
+            <a:avLst/>
+          </a:prstGeom>
+        </p:spPr>
+        <p:style>
+          <a:lnRef idx="2">
+            <a:schemeClr val="accent4"/>
+          </a:lnRef>
+          <a:fillRef idx="1">
+            <a:schemeClr val="lt1"/>
+          </a:fillRef>
+          <a:effectRef idx="0">
+            <a:schemeClr val="accent4"/>
+          </a:effectRef>
+          <a:fontRef idx="minor">
+            <a:schemeClr val="dk1"/>
+          </a:fontRef>
+        </p:style>
+        <p:txBody>
+          <a:bodyPr rtlCol="0" anchor="ctr"/>
+          <a:lstStyle/>
+          <a:p>
+            <a:pPr algn="ctr"/>
+            <a:r>
+              <a:rPr lang="en-GB" dirty="0" smtClean="0"/>
+              <a:t>Film genres</a:t>
+            </a:r>
+            <a:endParaRPr lang="en-GB" dirty="0"/>
+          </a:p>
+        </p:txBody>
+      </p:sp>
+      <p:sp>
+        <p:nvSpPr>
+          <p:cNvPr id="18" name="Rectangle 17"/>
+          <p:cNvSpPr/>
+          <p:nvPr/>
+        </p:nvSpPr>
+        <p:spPr>
+          <a:xfrm>
+            <a:off x="0" y="2323407"/>
+            <a:ext cx="2552008" cy="581891"/>
+          </a:xfrm>
+          <a:prstGeom prst="rect">
+            <a:avLst/>
+          </a:prstGeom>
+        </p:spPr>
+        <p:style>
+          <a:lnRef idx="2">
+            <a:schemeClr val="accent4"/>
+          </a:lnRef>
+          <a:fillRef idx="1">
+            <a:schemeClr val="lt1"/>
+          </a:fillRef>
+          <a:effectRef idx="0">
+            <a:schemeClr val="accent4"/>
+          </a:effectRef>
+          <a:fontRef idx="minor">
+            <a:schemeClr val="dk1"/>
+          </a:fontRef>
+        </p:style>
+        <p:txBody>
+          <a:bodyPr rtlCol="0" anchor="ctr"/>
+          <a:lstStyle/>
+          <a:p>
+            <a:pPr algn="ctr"/>
+            <a:r>
+              <a:rPr lang="en-GB" dirty="0" smtClean="0"/>
+              <a:t>Search films</a:t>
+            </a:r>
+            <a:endParaRPr lang="en-GB" dirty="0"/>
+          </a:p>
+        </p:txBody>
+      </p:sp>
+    </p:spTree>
+    <p:extLst>
+      <p:ext uri="{BB962C8B-B14F-4D97-AF65-F5344CB8AC3E}">
+        <p14:creationId xmlns:p14="http://schemas.microsoft.com/office/powerpoint/2010/main" val="3628458024"/>
+      </p:ext>
+    </p:extLst>
+  </p:cSld>
+  <p:clrMapOvr>
+    <a:masterClrMapping/>
+  </p:clrMapOvr>
+</p:sld>
+</file>
+
+<file path=ppt/slides/slide3.xml><?xml version="1.0" encoding="utf-8"?>
+<p:sld xmlns:a="http://schemas.openxmlformats.org/drawingml/2006/main" xmlns:r="http://schemas.openxmlformats.org/officeDocument/2006/relationships" xmlns:p="http://schemas.openxmlformats.org/presentationml/2006/main">
+  <p:cSld>
+    <p:spTree>
+      <p:nvGrpSpPr>
+        <p:cNvPr id="1" name=""/>
+        <p:cNvGrpSpPr/>
+        <p:nvPr/>
+      </p:nvGrpSpPr>
+      <p:grpSpPr>
+        <a:xfrm>
+          <a:off x="0" y="0"/>
+          <a:ext cx="0" cy="0"/>
+          <a:chOff x="0" y="0"/>
+          <a:chExt cx="0" cy="0"/>
+        </a:xfrm>
+      </p:grpSpPr>
+      <p:sp>
+        <p:nvSpPr>
           <p:cNvPr id="29" name="TextBox 28"/>
           <p:cNvSpPr txBox="1"/>
           <p:nvPr/>
@@ -4335,7 +4663,7 @@
 </p:sld>
 </file>
 
-<file path=ppt/slides/slide3.xml><?xml version="1.0" encoding="utf-8"?>
+<file path=ppt/slides/slide4.xml><?xml version="1.0" encoding="utf-8"?>
 <p:sld xmlns:a="http://schemas.openxmlformats.org/drawingml/2006/main" xmlns:r="http://schemas.openxmlformats.org/officeDocument/2006/relationships" xmlns:p="http://schemas.openxmlformats.org/presentationml/2006/main">
   <p:cSld>
     <p:spTree>
@@ -4602,11 +4930,7 @@
             <a:pPr algn="ctr"/>
             <a:r>
               <a:rPr lang="en-GB" dirty="0" smtClean="0"/>
-              <a:t>Film </a:t>
-            </a:r>
-            <a:r>
-              <a:rPr lang="en-GB" dirty="0" smtClean="0"/>
-              <a:t>title</a:t>
+              <a:t>Film title</a:t>
             </a:r>
             <a:endParaRPr lang="en-GB" dirty="0"/>
           </a:p>
@@ -4978,15 +5302,7 @@
             <a:p>
               <a:r>
                 <a:rPr lang="en-GB" dirty="0" smtClean="0"/>
-                <a:t>Your</a:t>
-              </a:r>
-              <a:r>
-                <a:rPr lang="en-GB" dirty="0" smtClean="0"/>
-                <a:t> </a:t>
-              </a:r>
-              <a:r>
-                <a:rPr lang="en-GB" dirty="0" smtClean="0"/>
-                <a:t>rating:</a:t>
+                <a:t>Your rating:</a:t>
               </a:r>
               <a:endParaRPr lang="en-GB" dirty="0"/>
             </a:p>
@@ -5315,7 +5631,7 @@
 </p:sld>
 </file>
 
-<file path=ppt/slides/slide4.xml><?xml version="1.0" encoding="utf-8"?>
+<file path=ppt/slides/slide5.xml><?xml version="1.0" encoding="utf-8"?>
 <p:sld xmlns:a="http://schemas.openxmlformats.org/drawingml/2006/main" xmlns:r="http://schemas.openxmlformats.org/officeDocument/2006/relationships" xmlns:p="http://schemas.openxmlformats.org/presentationml/2006/main">
   <p:cSld>
     <p:spTree>
@@ -5809,7 +6125,7 @@
 </p:sld>
 </file>
 
-<file path=ppt/slides/slide5.xml><?xml version="1.0" encoding="utf-8"?>
+<file path=ppt/slides/slide6.xml><?xml version="1.0" encoding="utf-8"?>
 <p:sld xmlns:a="http://schemas.openxmlformats.org/drawingml/2006/main" xmlns:r="http://schemas.openxmlformats.org/officeDocument/2006/relationships" xmlns:p="http://schemas.openxmlformats.org/presentationml/2006/main">
   <p:cSld>
     <p:spTree>

--- a/MovieReviewWebsite/MovieReviewWebsite/Documentation/Sketches/ScreenDesigns.pptx
+++ b/MovieReviewWebsite/MovieReviewWebsite/Documentation/Sketches/ScreenDesigns.pptx
@@ -9,8 +9,11 @@
     <p:sldId id="261" r:id="rId3"/>
     <p:sldId id="257" r:id="rId4"/>
     <p:sldId id="260" r:id="rId5"/>
-    <p:sldId id="258" r:id="rId6"/>
-    <p:sldId id="259" r:id="rId7"/>
+    <p:sldId id="263" r:id="rId6"/>
+    <p:sldId id="262" r:id="rId7"/>
+    <p:sldId id="258" r:id="rId8"/>
+    <p:sldId id="265" r:id="rId9"/>
+    <p:sldId id="259" r:id="rId10"/>
   </p:sldIdLst>
   <p:sldSz cx="12192000" cy="6858000"/>
   <p:notesSz cx="6858000" cy="9144000"/>
@@ -116,21 +119,12 @@
           <p14:sldIdLst>
             <p14:sldId id="256"/>
             <p14:sldId id="261"/>
-          </p14:sldIdLst>
-        </p14:section>
-        <p14:section name="Film Screen" id="{70FFA3F3-43C2-4A1B-93B8-C5676782E90B}">
-          <p14:sldIdLst>
             <p14:sldId id="257"/>
             <p14:sldId id="260"/>
-          </p14:sldIdLst>
-        </p14:section>
-        <p14:section name="Actor screen" id="{138BA0EC-7A97-444D-BA99-A666290836B8}">
-          <p14:sldIdLst>
+            <p14:sldId id="263"/>
+            <p14:sldId id="262"/>
             <p14:sldId id="258"/>
-          </p14:sldIdLst>
-        </p14:section>
-        <p14:section name="Director screen" id="{4F29E799-0F10-4649-A9BA-D8AB2757909D}">
-          <p14:sldIdLst>
+            <p14:sldId id="265"/>
             <p14:sldId id="259"/>
           </p14:sldIdLst>
         </p14:section>
@@ -274,7 +268,7 @@
           <a:p>
             <a:fld id="{A39CAC9A-90C0-49FD-9CB1-1E6142B652DB}" type="datetimeFigureOut">
               <a:rPr lang="en-GB" smtClean="0"/>
-              <a:t>27/03/2019</a:t>
+              <a:t>28/03/2019</a:t>
             </a:fld>
             <a:endParaRPr lang="en-GB"/>
           </a:p>
@@ -444,7 +438,7 @@
           <a:p>
             <a:fld id="{A39CAC9A-90C0-49FD-9CB1-1E6142B652DB}" type="datetimeFigureOut">
               <a:rPr lang="en-GB" smtClean="0"/>
-              <a:t>27/03/2019</a:t>
+              <a:t>28/03/2019</a:t>
             </a:fld>
             <a:endParaRPr lang="en-GB"/>
           </a:p>
@@ -624,7 +618,7 @@
           <a:p>
             <a:fld id="{A39CAC9A-90C0-49FD-9CB1-1E6142B652DB}" type="datetimeFigureOut">
               <a:rPr lang="en-GB" smtClean="0"/>
-              <a:t>27/03/2019</a:t>
+              <a:t>28/03/2019</a:t>
             </a:fld>
             <a:endParaRPr lang="en-GB"/>
           </a:p>
@@ -794,7 +788,7 @@
           <a:p>
             <a:fld id="{A39CAC9A-90C0-49FD-9CB1-1E6142B652DB}" type="datetimeFigureOut">
               <a:rPr lang="en-GB" smtClean="0"/>
-              <a:t>27/03/2019</a:t>
+              <a:t>28/03/2019</a:t>
             </a:fld>
             <a:endParaRPr lang="en-GB"/>
           </a:p>
@@ -1040,7 +1034,7 @@
           <a:p>
             <a:fld id="{A39CAC9A-90C0-49FD-9CB1-1E6142B652DB}" type="datetimeFigureOut">
               <a:rPr lang="en-GB" smtClean="0"/>
-              <a:t>27/03/2019</a:t>
+              <a:t>28/03/2019</a:t>
             </a:fld>
             <a:endParaRPr lang="en-GB"/>
           </a:p>
@@ -1272,7 +1266,7 @@
           <a:p>
             <a:fld id="{A39CAC9A-90C0-49FD-9CB1-1E6142B652DB}" type="datetimeFigureOut">
               <a:rPr lang="en-GB" smtClean="0"/>
-              <a:t>27/03/2019</a:t>
+              <a:t>28/03/2019</a:t>
             </a:fld>
             <a:endParaRPr lang="en-GB"/>
           </a:p>
@@ -1639,7 +1633,7 @@
           <a:p>
             <a:fld id="{A39CAC9A-90C0-49FD-9CB1-1E6142B652DB}" type="datetimeFigureOut">
               <a:rPr lang="en-GB" smtClean="0"/>
-              <a:t>27/03/2019</a:t>
+              <a:t>28/03/2019</a:t>
             </a:fld>
             <a:endParaRPr lang="en-GB"/>
           </a:p>
@@ -1757,7 +1751,7 @@
           <a:p>
             <a:fld id="{A39CAC9A-90C0-49FD-9CB1-1E6142B652DB}" type="datetimeFigureOut">
               <a:rPr lang="en-GB" smtClean="0"/>
-              <a:t>27/03/2019</a:t>
+              <a:t>28/03/2019</a:t>
             </a:fld>
             <a:endParaRPr lang="en-GB"/>
           </a:p>
@@ -1852,7 +1846,7 @@
           <a:p>
             <a:fld id="{A39CAC9A-90C0-49FD-9CB1-1E6142B652DB}" type="datetimeFigureOut">
               <a:rPr lang="en-GB" smtClean="0"/>
-              <a:t>27/03/2019</a:t>
+              <a:t>28/03/2019</a:t>
             </a:fld>
             <a:endParaRPr lang="en-GB"/>
           </a:p>
@@ -2129,7 +2123,7 @@
           <a:p>
             <a:fld id="{A39CAC9A-90C0-49FD-9CB1-1E6142B652DB}" type="datetimeFigureOut">
               <a:rPr lang="en-GB" smtClean="0"/>
-              <a:t>27/03/2019</a:t>
+              <a:t>28/03/2019</a:t>
             </a:fld>
             <a:endParaRPr lang="en-GB"/>
           </a:p>
@@ -2382,7 +2376,7 @@
           <a:p>
             <a:fld id="{A39CAC9A-90C0-49FD-9CB1-1E6142B652DB}" type="datetimeFigureOut">
               <a:rPr lang="en-GB" smtClean="0"/>
-              <a:t>27/03/2019</a:t>
+              <a:t>28/03/2019</a:t>
             </a:fld>
             <a:endParaRPr lang="en-GB"/>
           </a:p>
@@ -2595,7 +2589,7 @@
           <a:p>
             <a:fld id="{A39CAC9A-90C0-49FD-9CB1-1E6142B652DB}" type="datetimeFigureOut">
               <a:rPr lang="en-GB" smtClean="0"/>
-              <a:t>27/03/2019</a:t>
+              <a:t>28/03/2019</a:t>
             </a:fld>
             <a:endParaRPr lang="en-GB"/>
           </a:p>
@@ -3470,6 +3464,88 @@
           </a:p>
         </p:txBody>
       </p:sp>
+      <p:sp>
+        <p:nvSpPr>
+          <p:cNvPr id="2" name="Rectangle 1"/>
+          <p:cNvSpPr/>
+          <p:nvPr/>
+        </p:nvSpPr>
+        <p:spPr>
+          <a:xfrm>
+            <a:off x="2173778" y="181094"/>
+            <a:ext cx="5848004" cy="369332"/>
+          </a:xfrm>
+          <a:prstGeom prst="rect">
+            <a:avLst/>
+          </a:prstGeom>
+        </p:spPr>
+        <p:style>
+          <a:lnRef idx="2">
+            <a:schemeClr val="dk1"/>
+          </a:lnRef>
+          <a:fillRef idx="1">
+            <a:schemeClr val="lt1"/>
+          </a:fillRef>
+          <a:effectRef idx="0">
+            <a:schemeClr val="dk1"/>
+          </a:effectRef>
+          <a:fontRef idx="minor">
+            <a:schemeClr val="dk1"/>
+          </a:fontRef>
+        </p:style>
+        <p:txBody>
+          <a:bodyPr rtlCol="0" anchor="ctr"/>
+          <a:lstStyle/>
+          <a:p>
+            <a:pPr algn="ctr"/>
+            <a:r>
+              <a:rPr lang="en-GB" sz="1400" dirty="0" smtClean="0"/>
+              <a:t>Movies             Actors              Directors           Genres       </a:t>
+            </a:r>
+            <a:endParaRPr lang="en-GB" sz="1400" dirty="0"/>
+          </a:p>
+        </p:txBody>
+      </p:sp>
+      <p:sp>
+        <p:nvSpPr>
+          <p:cNvPr id="18" name="Oval 17"/>
+          <p:cNvSpPr/>
+          <p:nvPr/>
+        </p:nvSpPr>
+        <p:spPr>
+          <a:xfrm>
+            <a:off x="764772" y="4635614"/>
+            <a:ext cx="1614748" cy="814650"/>
+          </a:xfrm>
+          <a:prstGeom prst="ellipse">
+            <a:avLst/>
+          </a:prstGeom>
+          <a:noFill/>
+          <a:ln w="57150"/>
+        </p:spPr>
+        <p:style>
+          <a:lnRef idx="2">
+            <a:schemeClr val="accent2"/>
+          </a:lnRef>
+          <a:fillRef idx="1">
+            <a:schemeClr val="lt1"/>
+          </a:fillRef>
+          <a:effectRef idx="0">
+            <a:schemeClr val="accent2"/>
+          </a:effectRef>
+          <a:fontRef idx="minor">
+            <a:schemeClr val="dk1"/>
+          </a:fontRef>
+        </p:style>
+        <p:txBody>
+          <a:bodyPr rtlCol="0" anchor="ctr"/>
+          <a:lstStyle/>
+          <a:p>
+            <a:pPr algn="ctr"/>
+            <a:endParaRPr lang="en-GB"/>
+          </a:p>
+        </p:txBody>
+      </p:sp>
     </p:spTree>
     <p:extLst>
       <p:ext uri="{BB962C8B-B14F-4D97-AF65-F5344CB8AC3E}">
@@ -3720,8 +3796,8 @@
         </p:nvSpPr>
         <p:spPr>
           <a:xfrm>
-            <a:off x="-1" y="731520"/>
-            <a:ext cx="8055033" cy="739832"/>
+            <a:off x="2552009" y="1583575"/>
+            <a:ext cx="6392486" cy="739832"/>
           </a:xfrm>
           <a:prstGeom prst="rect">
             <a:avLst/>
@@ -3748,7 +3824,7 @@
             <a:pPr algn="ctr"/>
             <a:r>
               <a:rPr lang="en-GB" dirty="0" smtClean="0"/>
-              <a:t>Film genres</a:t>
+              <a:t>Film title</a:t>
             </a:r>
             <a:endParaRPr lang="en-GB" dirty="0"/>
           </a:p>
@@ -3793,6 +3869,124 @@
               <a:t>Search films</a:t>
             </a:r>
             <a:endParaRPr lang="en-GB" dirty="0"/>
+          </a:p>
+        </p:txBody>
+      </p:sp>
+      <p:sp>
+        <p:nvSpPr>
+          <p:cNvPr id="10" name="Rectangle 9"/>
+          <p:cNvSpPr/>
+          <p:nvPr/>
+        </p:nvSpPr>
+        <p:spPr>
+          <a:xfrm>
+            <a:off x="2173778" y="181094"/>
+            <a:ext cx="5848004" cy="369332"/>
+          </a:xfrm>
+          <a:prstGeom prst="rect">
+            <a:avLst/>
+          </a:prstGeom>
+        </p:spPr>
+        <p:style>
+          <a:lnRef idx="2">
+            <a:schemeClr val="dk1"/>
+          </a:lnRef>
+          <a:fillRef idx="1">
+            <a:schemeClr val="lt1"/>
+          </a:fillRef>
+          <a:effectRef idx="0">
+            <a:schemeClr val="dk1"/>
+          </a:effectRef>
+          <a:fontRef idx="minor">
+            <a:schemeClr val="dk1"/>
+          </a:fontRef>
+        </p:style>
+        <p:txBody>
+          <a:bodyPr rtlCol="0" anchor="ctr"/>
+          <a:lstStyle/>
+          <a:p>
+            <a:pPr algn="ctr"/>
+            <a:r>
+              <a:rPr lang="en-GB" sz="1400" dirty="0" smtClean="0"/>
+              <a:t>Movies             Actors              Directors           Genres       </a:t>
+            </a:r>
+            <a:endParaRPr lang="en-GB" sz="1400" dirty="0"/>
+          </a:p>
+        </p:txBody>
+      </p:sp>
+      <p:cxnSp>
+        <p:nvCxnSpPr>
+          <p:cNvPr id="3" name="Straight Arrow Connector 2"/>
+          <p:cNvCxnSpPr/>
+          <p:nvPr/>
+        </p:nvCxnSpPr>
+        <p:spPr>
+          <a:xfrm flipH="1" flipV="1">
+            <a:off x="8520545" y="2826327"/>
+            <a:ext cx="972590" cy="340822"/>
+          </a:xfrm>
+          <a:prstGeom prst="straightConnector1">
+            <a:avLst/>
+          </a:prstGeom>
+          <a:ln>
+            <a:tailEnd type="triangle"/>
+          </a:ln>
+        </p:spPr>
+        <p:style>
+          <a:lnRef idx="3">
+            <a:schemeClr val="dk1"/>
+          </a:lnRef>
+          <a:fillRef idx="0">
+            <a:schemeClr val="dk1"/>
+          </a:fillRef>
+          <a:effectRef idx="2">
+            <a:schemeClr val="dk1"/>
+          </a:effectRef>
+          <a:fontRef idx="minor">
+            <a:schemeClr val="tx1"/>
+          </a:fontRef>
+        </p:style>
+      </p:cxnSp>
+      <p:sp>
+        <p:nvSpPr>
+          <p:cNvPr id="8" name="TextBox 7"/>
+          <p:cNvSpPr txBox="1"/>
+          <p:nvPr/>
+        </p:nvSpPr>
+        <p:spPr>
+          <a:xfrm>
+            <a:off x="9493135" y="3013260"/>
+            <a:ext cx="1066800" cy="307777"/>
+          </a:xfrm>
+          <a:prstGeom prst="rect">
+            <a:avLst/>
+          </a:prstGeom>
+        </p:spPr>
+        <p:style>
+          <a:lnRef idx="2">
+            <a:schemeClr val="dk1"/>
+          </a:lnRef>
+          <a:fillRef idx="1">
+            <a:schemeClr val="lt1"/>
+          </a:fillRef>
+          <a:effectRef idx="0">
+            <a:schemeClr val="dk1"/>
+          </a:effectRef>
+          <a:fontRef idx="minor">
+            <a:schemeClr val="dk1"/>
+          </a:fontRef>
+        </p:style>
+        <p:txBody>
+          <a:bodyPr wrap="square" rtlCol="0">
+            <a:spAutoFit/>
+          </a:bodyPr>
+          <a:lstStyle/>
+          <a:p>
+            <a:r>
+              <a:rPr lang="en-GB" sz="1400" dirty="0" smtClean="0"/>
+              <a:t>Select film</a:t>
+            </a:r>
+            <a:endParaRPr lang="en-GB" sz="1400" dirty="0"/>
           </a:p>
         </p:txBody>
       </p:sp>
@@ -4647,6 +4841,88 @@
               <a:t>Rate film</a:t>
             </a:r>
             <a:endParaRPr lang="en-GB" sz="1400" dirty="0"/>
+          </a:p>
+        </p:txBody>
+      </p:sp>
+      <p:sp>
+        <p:nvSpPr>
+          <p:cNvPr id="30" name="Rectangle 29"/>
+          <p:cNvSpPr/>
+          <p:nvPr/>
+        </p:nvSpPr>
+        <p:spPr>
+          <a:xfrm>
+            <a:off x="2173778" y="181094"/>
+            <a:ext cx="5848004" cy="369332"/>
+          </a:xfrm>
+          <a:prstGeom prst="rect">
+            <a:avLst/>
+          </a:prstGeom>
+        </p:spPr>
+        <p:style>
+          <a:lnRef idx="2">
+            <a:schemeClr val="dk1"/>
+          </a:lnRef>
+          <a:fillRef idx="1">
+            <a:schemeClr val="lt1"/>
+          </a:fillRef>
+          <a:effectRef idx="0">
+            <a:schemeClr val="dk1"/>
+          </a:effectRef>
+          <a:fontRef idx="minor">
+            <a:schemeClr val="dk1"/>
+          </a:fontRef>
+        </p:style>
+        <p:txBody>
+          <a:bodyPr rtlCol="0" anchor="ctr"/>
+          <a:lstStyle/>
+          <a:p>
+            <a:pPr algn="ctr"/>
+            <a:r>
+              <a:rPr lang="en-GB" sz="1400" dirty="0" smtClean="0"/>
+              <a:t>Movies             Actors              Directors           Genres       </a:t>
+            </a:r>
+            <a:endParaRPr lang="en-GB" sz="1400" dirty="0"/>
+          </a:p>
+        </p:txBody>
+      </p:sp>
+      <p:sp>
+        <p:nvSpPr>
+          <p:cNvPr id="10" name="Oval 9"/>
+          <p:cNvSpPr/>
+          <p:nvPr/>
+        </p:nvSpPr>
+        <p:spPr>
+          <a:xfrm>
+            <a:off x="5548051" y="5798218"/>
+            <a:ext cx="1456113" cy="673332"/>
+          </a:xfrm>
+          <a:prstGeom prst="ellipse">
+            <a:avLst/>
+          </a:prstGeom>
+          <a:noFill/>
+          <a:ln w="57150"/>
+        </p:spPr>
+        <p:style>
+          <a:lnRef idx="2">
+            <a:schemeClr val="accent2"/>
+          </a:lnRef>
+          <a:fillRef idx="1">
+            <a:schemeClr val="lt1"/>
+          </a:fillRef>
+          <a:effectRef idx="0">
+            <a:schemeClr val="accent2"/>
+          </a:effectRef>
+          <a:fontRef idx="minor">
+            <a:schemeClr val="dk1"/>
+          </a:fontRef>
+        </p:style>
+        <p:txBody>
+          <a:bodyPr rtlCol="0" anchor="ctr"/>
+          <a:lstStyle/>
+          <a:p>
+            <a:pPr algn="ctr"/>
+            <a:endParaRPr lang="en-GB"/>
           </a:p>
         </p:txBody>
       </p:sp>
@@ -5618,6 +5894,48 @@
           </a:p>
         </p:txBody>
       </p:sp>
+      <p:sp>
+        <p:nvSpPr>
+          <p:cNvPr id="28" name="Rectangle 27"/>
+          <p:cNvSpPr/>
+          <p:nvPr/>
+        </p:nvSpPr>
+        <p:spPr>
+          <a:xfrm>
+            <a:off x="2173778" y="181094"/>
+            <a:ext cx="5848004" cy="369332"/>
+          </a:xfrm>
+          <a:prstGeom prst="rect">
+            <a:avLst/>
+          </a:prstGeom>
+        </p:spPr>
+        <p:style>
+          <a:lnRef idx="2">
+            <a:schemeClr val="dk1"/>
+          </a:lnRef>
+          <a:fillRef idx="1">
+            <a:schemeClr val="lt1"/>
+          </a:fillRef>
+          <a:effectRef idx="0">
+            <a:schemeClr val="dk1"/>
+          </a:effectRef>
+          <a:fontRef idx="minor">
+            <a:schemeClr val="dk1"/>
+          </a:fontRef>
+        </p:style>
+        <p:txBody>
+          <a:bodyPr rtlCol="0" anchor="ctr"/>
+          <a:lstStyle/>
+          <a:p>
+            <a:pPr algn="ctr"/>
+            <a:r>
+              <a:rPr lang="en-GB" sz="1400" dirty="0" smtClean="0"/>
+              <a:t>Movies             Actors              Directors           Genres       </a:t>
+            </a:r>
+            <a:endParaRPr lang="en-GB" sz="1400" dirty="0"/>
+          </a:p>
+        </p:txBody>
+      </p:sp>
     </p:spTree>
     <p:extLst>
       <p:ext uri="{BB962C8B-B14F-4D97-AF65-F5344CB8AC3E}">
@@ -5780,6 +6098,306 @@
       </p:sp>
       <p:sp>
         <p:nvSpPr>
+          <p:cNvPr id="8" name="TextBox 7"/>
+          <p:cNvSpPr txBox="1"/>
+          <p:nvPr/>
+        </p:nvSpPr>
+        <p:spPr>
+          <a:xfrm>
+            <a:off x="972589" y="2011680"/>
+            <a:ext cx="3965171" cy="1169551"/>
+          </a:xfrm>
+          <a:prstGeom prst="rect">
+            <a:avLst/>
+          </a:prstGeom>
+          <a:noFill/>
+        </p:spPr>
+        <p:txBody>
+          <a:bodyPr wrap="square" rtlCol="0">
+            <a:spAutoFit/>
+          </a:bodyPr>
+          <a:lstStyle/>
+          <a:p>
+            <a:r>
+              <a:rPr lang="en-GB" sz="5400" dirty="0" smtClean="0"/>
+              <a:t>FilmBase</a:t>
+            </a:r>
+          </a:p>
+          <a:p>
+            <a:r>
+              <a:rPr lang="en-GB" sz="1600" dirty="0" smtClean="0"/>
+              <a:t>//Description</a:t>
+            </a:r>
+            <a:endParaRPr lang="en-GB" sz="1600" dirty="0"/>
+          </a:p>
+        </p:txBody>
+      </p:sp>
+      <p:sp>
+        <p:nvSpPr>
+          <p:cNvPr id="9" name="TextBox 8"/>
+          <p:cNvSpPr txBox="1"/>
+          <p:nvPr/>
+        </p:nvSpPr>
+        <p:spPr>
+          <a:xfrm>
+            <a:off x="972589" y="4023360"/>
+            <a:ext cx="2402378" cy="584775"/>
+          </a:xfrm>
+          <a:prstGeom prst="rect">
+            <a:avLst/>
+          </a:prstGeom>
+          <a:noFill/>
+        </p:spPr>
+        <p:txBody>
+          <a:bodyPr wrap="square" rtlCol="0">
+            <a:spAutoFit/>
+          </a:bodyPr>
+          <a:lstStyle/>
+          <a:p>
+            <a:r>
+              <a:rPr lang="en-GB" dirty="0" smtClean="0"/>
+              <a:t>Top 10 films</a:t>
+            </a:r>
+          </a:p>
+          <a:p>
+            <a:r>
+              <a:rPr lang="en-GB" sz="1400" dirty="0" smtClean="0"/>
+              <a:t>//Description</a:t>
+            </a:r>
+            <a:endParaRPr lang="en-GB" sz="1400" dirty="0"/>
+          </a:p>
+        </p:txBody>
+      </p:sp>
+      <p:sp>
+        <p:nvSpPr>
+          <p:cNvPr id="10" name="TextBox 9"/>
+          <p:cNvSpPr txBox="1"/>
+          <p:nvPr/>
+        </p:nvSpPr>
+        <p:spPr>
+          <a:xfrm>
+            <a:off x="4328851" y="4023359"/>
+            <a:ext cx="2069869" cy="584775"/>
+          </a:xfrm>
+          <a:prstGeom prst="rect">
+            <a:avLst/>
+          </a:prstGeom>
+          <a:noFill/>
+        </p:spPr>
+        <p:txBody>
+          <a:bodyPr wrap="square" rtlCol="0">
+            <a:spAutoFit/>
+          </a:bodyPr>
+          <a:lstStyle/>
+          <a:p>
+            <a:r>
+              <a:rPr lang="en-GB" dirty="0" smtClean="0"/>
+              <a:t>Film genres</a:t>
+            </a:r>
+          </a:p>
+          <a:p>
+            <a:r>
+              <a:rPr lang="en-GB" sz="1400" dirty="0" smtClean="0"/>
+              <a:t>//Description</a:t>
+            </a:r>
+            <a:endParaRPr lang="en-GB" sz="1400" dirty="0"/>
+          </a:p>
+        </p:txBody>
+      </p:sp>
+      <p:sp>
+        <p:nvSpPr>
+          <p:cNvPr id="11" name="TextBox 10"/>
+          <p:cNvSpPr txBox="1"/>
+          <p:nvPr/>
+        </p:nvSpPr>
+        <p:spPr>
+          <a:xfrm>
+            <a:off x="7701740" y="4023359"/>
+            <a:ext cx="2003367" cy="584775"/>
+          </a:xfrm>
+          <a:prstGeom prst="rect">
+            <a:avLst/>
+          </a:prstGeom>
+          <a:noFill/>
+        </p:spPr>
+        <p:txBody>
+          <a:bodyPr wrap="square" rtlCol="0">
+            <a:spAutoFit/>
+          </a:bodyPr>
+          <a:lstStyle/>
+          <a:p>
+            <a:r>
+              <a:rPr lang="en-GB" dirty="0" smtClean="0"/>
+              <a:t>Actors</a:t>
+            </a:r>
+          </a:p>
+          <a:p>
+            <a:r>
+              <a:rPr lang="en-GB" sz="1400" dirty="0" smtClean="0"/>
+              <a:t>//Description</a:t>
+            </a:r>
+            <a:endParaRPr lang="en-GB" sz="1400" dirty="0"/>
+          </a:p>
+        </p:txBody>
+      </p:sp>
+      <p:sp>
+        <p:nvSpPr>
+          <p:cNvPr id="12" name="Rounded Rectangle 11"/>
+          <p:cNvSpPr/>
+          <p:nvPr/>
+        </p:nvSpPr>
+        <p:spPr>
+          <a:xfrm>
+            <a:off x="972589" y="4838007"/>
+            <a:ext cx="1201189" cy="490451"/>
+          </a:xfrm>
+          <a:prstGeom prst="roundRect">
+            <a:avLst/>
+          </a:prstGeom>
+        </p:spPr>
+        <p:style>
+          <a:lnRef idx="2">
+            <a:schemeClr val="accent4">
+              <a:shade val="50000"/>
+            </a:schemeClr>
+          </a:lnRef>
+          <a:fillRef idx="1">
+            <a:schemeClr val="accent4"/>
+          </a:fillRef>
+          <a:effectRef idx="0">
+            <a:schemeClr val="accent4"/>
+          </a:effectRef>
+          <a:fontRef idx="minor">
+            <a:schemeClr val="lt1"/>
+          </a:fontRef>
+        </p:style>
+        <p:txBody>
+          <a:bodyPr rtlCol="0" anchor="ctr"/>
+          <a:lstStyle/>
+          <a:p>
+            <a:pPr algn="ctr"/>
+            <a:r>
+              <a:rPr lang="en-GB" dirty="0" smtClean="0">
+                <a:solidFill>
+                  <a:schemeClr val="tx1"/>
+                </a:solidFill>
+              </a:rPr>
+              <a:t>Button</a:t>
+            </a:r>
+            <a:endParaRPr lang="en-GB" dirty="0">
+              <a:solidFill>
+                <a:schemeClr val="tx1"/>
+              </a:solidFill>
+            </a:endParaRPr>
+          </a:p>
+        </p:txBody>
+      </p:sp>
+      <p:sp>
+        <p:nvSpPr>
+          <p:cNvPr id="13" name="Rounded Rectangle 12"/>
+          <p:cNvSpPr/>
+          <p:nvPr/>
+        </p:nvSpPr>
+        <p:spPr>
+          <a:xfrm>
+            <a:off x="7701740" y="4838003"/>
+            <a:ext cx="1201189" cy="490451"/>
+          </a:xfrm>
+          <a:prstGeom prst="roundRect">
+            <a:avLst/>
+          </a:prstGeom>
+        </p:spPr>
+        <p:style>
+          <a:lnRef idx="2">
+            <a:schemeClr val="accent4">
+              <a:shade val="50000"/>
+            </a:schemeClr>
+          </a:lnRef>
+          <a:fillRef idx="1">
+            <a:schemeClr val="accent4"/>
+          </a:fillRef>
+          <a:effectRef idx="0">
+            <a:schemeClr val="accent4"/>
+          </a:effectRef>
+          <a:fontRef idx="minor">
+            <a:schemeClr val="lt1"/>
+          </a:fontRef>
+        </p:style>
+        <p:txBody>
+          <a:bodyPr rtlCol="0" anchor="ctr"/>
+          <a:lstStyle/>
+          <a:p>
+            <a:pPr algn="ctr"/>
+            <a:r>
+              <a:rPr lang="en-GB" dirty="0" smtClean="0">
+                <a:solidFill>
+                  <a:schemeClr val="tx1"/>
+                </a:solidFill>
+              </a:rPr>
+              <a:t>Button</a:t>
+            </a:r>
+            <a:endParaRPr lang="en-GB" dirty="0">
+              <a:solidFill>
+                <a:schemeClr val="tx1"/>
+              </a:solidFill>
+            </a:endParaRPr>
+          </a:p>
+        </p:txBody>
+      </p:sp>
+      <p:sp>
+        <p:nvSpPr>
+          <p:cNvPr id="14" name="Rounded Rectangle 13"/>
+          <p:cNvSpPr/>
+          <p:nvPr/>
+        </p:nvSpPr>
+        <p:spPr>
+          <a:xfrm>
+            <a:off x="4337165" y="4838003"/>
+            <a:ext cx="1201189" cy="490451"/>
+          </a:xfrm>
+          <a:prstGeom prst="roundRect">
+            <a:avLst/>
+          </a:prstGeom>
+        </p:spPr>
+        <p:style>
+          <a:lnRef idx="2">
+            <a:schemeClr val="accent4">
+              <a:shade val="50000"/>
+            </a:schemeClr>
+          </a:lnRef>
+          <a:fillRef idx="1">
+            <a:schemeClr val="accent4"/>
+          </a:fillRef>
+          <a:effectRef idx="0">
+            <a:schemeClr val="accent4"/>
+          </a:effectRef>
+          <a:fontRef idx="minor">
+            <a:schemeClr val="lt1"/>
+          </a:fontRef>
+        </p:style>
+        <p:txBody>
+          <a:bodyPr rtlCol="0" anchor="ctr"/>
+          <a:lstStyle/>
+          <a:p>
+            <a:pPr algn="ctr"/>
+            <a:r>
+              <a:rPr lang="en-GB" dirty="0" smtClean="0">
+                <a:solidFill>
+                  <a:schemeClr val="tx1"/>
+                </a:solidFill>
+              </a:rPr>
+              <a:t>Button</a:t>
+            </a:r>
+            <a:endParaRPr lang="en-GB" dirty="0">
+              <a:solidFill>
+                <a:schemeClr val="tx1"/>
+              </a:solidFill>
+            </a:endParaRPr>
+          </a:p>
+        </p:txBody>
+      </p:sp>
+      <p:sp>
+        <p:nvSpPr>
           <p:cNvPr id="15" name="Rectangle 14"/>
           <p:cNvSpPr/>
           <p:nvPr/>
@@ -5820,14 +6438,14 @@
       </p:sp>
       <p:sp>
         <p:nvSpPr>
-          <p:cNvPr id="16" name="Rectangle 15"/>
+          <p:cNvPr id="2" name="Rectangle 1"/>
           <p:cNvSpPr/>
           <p:nvPr/>
         </p:nvSpPr>
         <p:spPr>
           <a:xfrm>
-            <a:off x="2851265" y="1803862"/>
-            <a:ext cx="3067397" cy="3657600"/>
+            <a:off x="2173778" y="181094"/>
+            <a:ext cx="5848004" cy="369332"/>
           </a:xfrm>
           <a:prstGeom prst="rect">
             <a:avLst/>
@@ -5835,13 +6453,13 @@
         </p:spPr>
         <p:style>
           <a:lnRef idx="2">
-            <a:schemeClr val="accent4"/>
+            <a:schemeClr val="dk1"/>
           </a:lnRef>
           <a:fillRef idx="1">
             <a:schemeClr val="lt1"/>
           </a:fillRef>
           <a:effectRef idx="0">
-            <a:schemeClr val="accent4"/>
+            <a:schemeClr val="dk1"/>
           </a:effectRef>
           <a:fontRef idx="minor">
             <a:schemeClr val="dk1"/>
@@ -5853,37 +6471,39 @@
           <a:p>
             <a:pPr algn="ctr"/>
             <a:r>
-              <a:rPr lang="en-GB" dirty="0" smtClean="0"/>
-              <a:t>Actor biography</a:t>
-            </a:r>
-            <a:endParaRPr lang="en-GB" dirty="0"/>
-          </a:p>
-        </p:txBody>
-      </p:sp>
-      <p:sp>
-        <p:nvSpPr>
-          <p:cNvPr id="17" name="Rectangle 16"/>
+              <a:rPr lang="en-GB" sz="1400" dirty="0" smtClean="0"/>
+              <a:t>Movies             Actors              Directors           Genres       </a:t>
+            </a:r>
+            <a:endParaRPr lang="en-GB" sz="1400" dirty="0"/>
+          </a:p>
+        </p:txBody>
+      </p:sp>
+      <p:sp>
+        <p:nvSpPr>
+          <p:cNvPr id="17" name="Oval 16"/>
           <p:cNvSpPr/>
           <p:nvPr/>
         </p:nvSpPr>
         <p:spPr>
           <a:xfrm>
-            <a:off x="232756" y="1911927"/>
-            <a:ext cx="1845426" cy="540328"/>
-          </a:xfrm>
-          <a:prstGeom prst="rect">
-            <a:avLst/>
-          </a:prstGeom>
+            <a:off x="7574278" y="4746562"/>
+            <a:ext cx="1456113" cy="673332"/>
+          </a:xfrm>
+          <a:prstGeom prst="ellipse">
+            <a:avLst/>
+          </a:prstGeom>
+          <a:noFill/>
+          <a:ln w="57150"/>
         </p:spPr>
         <p:style>
           <a:lnRef idx="2">
-            <a:schemeClr val="accent4"/>
+            <a:schemeClr val="accent2"/>
           </a:lnRef>
           <a:fillRef idx="1">
             <a:schemeClr val="lt1"/>
           </a:fillRef>
           <a:effectRef idx="0">
-            <a:schemeClr val="accent4"/>
+            <a:schemeClr val="accent2"/>
           </a:effectRef>
           <a:fontRef idx="minor">
             <a:schemeClr val="dk1"/>
@@ -5894,228 +6514,14 @@
           <a:lstStyle/>
           <a:p>
             <a:pPr algn="ctr"/>
-            <a:r>
-              <a:rPr lang="en-GB" dirty="0" smtClean="0"/>
-              <a:t>Actor name</a:t>
-            </a:r>
-            <a:endParaRPr lang="en-GB" dirty="0"/>
-          </a:p>
-        </p:txBody>
-      </p:sp>
-      <p:sp>
-        <p:nvSpPr>
-          <p:cNvPr id="18" name="Rectangle 17"/>
-          <p:cNvSpPr/>
-          <p:nvPr/>
-        </p:nvSpPr>
-        <p:spPr>
-          <a:xfrm>
-            <a:off x="232756" y="3416530"/>
-            <a:ext cx="1845426" cy="540328"/>
-          </a:xfrm>
-          <a:prstGeom prst="rect">
-            <a:avLst/>
-          </a:prstGeom>
-        </p:spPr>
-        <p:style>
-          <a:lnRef idx="2">
-            <a:schemeClr val="accent4"/>
-          </a:lnRef>
-          <a:fillRef idx="1">
-            <a:schemeClr val="lt1"/>
-          </a:fillRef>
-          <a:effectRef idx="0">
-            <a:schemeClr val="accent4"/>
-          </a:effectRef>
-          <a:fontRef idx="minor">
-            <a:schemeClr val="dk1"/>
-          </a:fontRef>
-        </p:style>
-        <p:txBody>
-          <a:bodyPr rtlCol="0" anchor="ctr"/>
-          <a:lstStyle/>
-          <a:p>
-            <a:pPr algn="ctr"/>
-            <a:r>
-              <a:rPr lang="en-GB" dirty="0" smtClean="0"/>
-              <a:t>Actor age</a:t>
-            </a:r>
-            <a:endParaRPr lang="en-GB" dirty="0"/>
-          </a:p>
-        </p:txBody>
-      </p:sp>
-      <p:sp>
-        <p:nvSpPr>
-          <p:cNvPr id="19" name="Rectangle 18"/>
-          <p:cNvSpPr/>
-          <p:nvPr/>
-        </p:nvSpPr>
-        <p:spPr>
-          <a:xfrm>
-            <a:off x="332508" y="4921134"/>
-            <a:ext cx="1845426" cy="540328"/>
-          </a:xfrm>
-          <a:prstGeom prst="rect">
-            <a:avLst/>
-          </a:prstGeom>
-        </p:spPr>
-        <p:style>
-          <a:lnRef idx="2">
-            <a:schemeClr val="accent4"/>
-          </a:lnRef>
-          <a:fillRef idx="1">
-            <a:schemeClr val="lt1"/>
-          </a:fillRef>
-          <a:effectRef idx="0">
-            <a:schemeClr val="accent4"/>
-          </a:effectRef>
-          <a:fontRef idx="minor">
-            <a:schemeClr val="dk1"/>
-          </a:fontRef>
-        </p:style>
-        <p:txBody>
-          <a:bodyPr rtlCol="0" anchor="ctr"/>
-          <a:lstStyle/>
-          <a:p>
-            <a:pPr algn="ctr"/>
-            <a:r>
-              <a:rPr lang="en-GB" dirty="0" smtClean="0"/>
-              <a:t>Actor date of birth</a:t>
-            </a:r>
-            <a:endParaRPr lang="en-GB" dirty="0"/>
-          </a:p>
-        </p:txBody>
-      </p:sp>
-      <p:sp>
-        <p:nvSpPr>
-          <p:cNvPr id="21" name="Rectangle 20"/>
-          <p:cNvSpPr/>
-          <p:nvPr/>
-        </p:nvSpPr>
-        <p:spPr>
-          <a:xfrm>
-            <a:off x="5918662" y="1799705"/>
-            <a:ext cx="1745673" cy="1886989"/>
-          </a:xfrm>
-          <a:prstGeom prst="rect">
-            <a:avLst/>
-          </a:prstGeom>
-        </p:spPr>
-        <p:style>
-          <a:lnRef idx="2">
-            <a:schemeClr val="accent4"/>
-          </a:lnRef>
-          <a:fillRef idx="1">
-            <a:schemeClr val="lt1"/>
-          </a:fillRef>
-          <a:effectRef idx="0">
-            <a:schemeClr val="accent4"/>
-          </a:effectRef>
-          <a:fontRef idx="minor">
-            <a:schemeClr val="dk1"/>
-          </a:fontRef>
-        </p:style>
-        <p:txBody>
-          <a:bodyPr rtlCol="0" anchor="ctr"/>
-          <a:lstStyle/>
-          <a:p>
-            <a:pPr algn="ctr"/>
-            <a:r>
-              <a:rPr lang="en-GB" dirty="0" smtClean="0"/>
-              <a:t>Filmography</a:t>
-            </a:r>
-            <a:endParaRPr lang="en-GB" dirty="0"/>
-          </a:p>
-        </p:txBody>
-      </p:sp>
-      <p:sp>
-        <p:nvSpPr>
-          <p:cNvPr id="22" name="Rectangle 21"/>
-          <p:cNvSpPr/>
-          <p:nvPr/>
-        </p:nvSpPr>
-        <p:spPr>
-          <a:xfrm>
-            <a:off x="7789025" y="1371599"/>
-            <a:ext cx="4089862" cy="4165739"/>
-          </a:xfrm>
-          <a:prstGeom prst="rect">
-            <a:avLst/>
-          </a:prstGeom>
-        </p:spPr>
-        <p:style>
-          <a:lnRef idx="2">
-            <a:schemeClr val="accent4"/>
-          </a:lnRef>
-          <a:fillRef idx="1">
-            <a:schemeClr val="lt1"/>
-          </a:fillRef>
-          <a:effectRef idx="0">
-            <a:schemeClr val="accent4"/>
-          </a:effectRef>
-          <a:fontRef idx="minor">
-            <a:schemeClr val="dk1"/>
-          </a:fontRef>
-        </p:style>
-        <p:txBody>
-          <a:bodyPr rtlCol="0" anchor="ctr"/>
-          <a:lstStyle/>
-          <a:p>
-            <a:pPr algn="ctr"/>
-            <a:r>
-              <a:rPr lang="en-GB" dirty="0" smtClean="0"/>
-              <a:t>User Comments</a:t>
-            </a:r>
-            <a:endParaRPr lang="en-GB" dirty="0"/>
-          </a:p>
-        </p:txBody>
-      </p:sp>
-      <p:sp>
-        <p:nvSpPr>
-          <p:cNvPr id="23" name="Rectangle 22"/>
-          <p:cNvSpPr/>
-          <p:nvPr/>
-        </p:nvSpPr>
-        <p:spPr>
-          <a:xfrm>
-            <a:off x="7789025" y="5627716"/>
-            <a:ext cx="4089862" cy="648485"/>
-          </a:xfrm>
-          <a:prstGeom prst="rect">
-            <a:avLst/>
-          </a:prstGeom>
-        </p:spPr>
-        <p:style>
-          <a:lnRef idx="2">
-            <a:schemeClr val="accent4"/>
-          </a:lnRef>
-          <a:fillRef idx="1">
-            <a:schemeClr val="lt1"/>
-          </a:fillRef>
-          <a:effectRef idx="0">
-            <a:schemeClr val="accent4"/>
-          </a:effectRef>
-          <a:fontRef idx="minor">
-            <a:schemeClr val="dk1"/>
-          </a:fontRef>
-        </p:style>
-        <p:txBody>
-          <a:bodyPr rtlCol="0" anchor="ctr"/>
-          <a:lstStyle/>
-          <a:p>
-            <a:pPr algn="ctr"/>
-            <a:r>
-              <a:rPr lang="en-GB" dirty="0" smtClean="0"/>
-              <a:t>Add Comment</a:t>
-            </a:r>
-            <a:endParaRPr lang="en-GB" dirty="0"/>
+            <a:endParaRPr lang="en-GB"/>
           </a:p>
         </p:txBody>
       </p:sp>
     </p:spTree>
     <p:extLst>
       <p:ext uri="{BB962C8B-B14F-4D97-AF65-F5344CB8AC3E}">
-        <p14:creationId xmlns:p14="http://schemas.microsoft.com/office/powerpoint/2010/main" val="3097416568"/>
+        <p14:creationId xmlns:p14="http://schemas.microsoft.com/office/powerpoint/2010/main" val="2912325447"/>
       </p:ext>
     </p:extLst>
   </p:cSld>
@@ -6274,7 +6680,7 @@
       </p:sp>
       <p:sp>
         <p:nvSpPr>
-          <p:cNvPr id="8" name="Rectangle 7"/>
+          <p:cNvPr id="15" name="Rectangle 14"/>
           <p:cNvSpPr/>
           <p:nvPr/>
         </p:nvSpPr>
@@ -6314,14 +6720,14 @@
       </p:sp>
       <p:sp>
         <p:nvSpPr>
-          <p:cNvPr id="9" name="Rectangle 8"/>
+          <p:cNvPr id="16" name="Rectangle 15"/>
           <p:cNvSpPr/>
           <p:nvPr/>
         </p:nvSpPr>
         <p:spPr>
           <a:xfrm>
-            <a:off x="2851265" y="1803862"/>
-            <a:ext cx="3067397" cy="3657600"/>
+            <a:off x="2552008" y="2323407"/>
+            <a:ext cx="6392486" cy="2959332"/>
           </a:xfrm>
           <a:prstGeom prst="rect">
             <a:avLst/>
@@ -6348,7 +6754,11 @@
             <a:pPr algn="ctr"/>
             <a:r>
               <a:rPr lang="en-GB" dirty="0" smtClean="0"/>
-              <a:t>Director biography</a:t>
+              <a:t>List of </a:t>
+            </a:r>
+            <a:r>
+              <a:rPr lang="en-GB" dirty="0" smtClean="0"/>
+              <a:t>actors</a:t>
             </a:r>
             <a:endParaRPr lang="en-GB" dirty="0"/>
           </a:p>
@@ -6356,14 +6766,14 @@
       </p:sp>
       <p:sp>
         <p:nvSpPr>
-          <p:cNvPr id="10" name="Rectangle 9"/>
+          <p:cNvPr id="17" name="Rectangle 16"/>
           <p:cNvSpPr/>
           <p:nvPr/>
         </p:nvSpPr>
         <p:spPr>
           <a:xfrm>
-            <a:off x="232756" y="1911927"/>
-            <a:ext cx="1845426" cy="540328"/>
+            <a:off x="2552007" y="1583575"/>
+            <a:ext cx="6392487" cy="739832"/>
           </a:xfrm>
           <a:prstGeom prst="rect">
             <a:avLst/>
@@ -6390,7 +6800,7 @@
             <a:pPr algn="ctr"/>
             <a:r>
               <a:rPr lang="en-GB" dirty="0" smtClean="0"/>
-              <a:t>Director name</a:t>
+              <a:t>Actor name</a:t>
             </a:r>
             <a:endParaRPr lang="en-GB" dirty="0"/>
           </a:p>
@@ -6398,14 +6808,14 @@
       </p:sp>
       <p:sp>
         <p:nvSpPr>
-          <p:cNvPr id="11" name="Rectangle 10"/>
+          <p:cNvPr id="18" name="Rectangle 17"/>
           <p:cNvSpPr/>
           <p:nvPr/>
         </p:nvSpPr>
         <p:spPr>
           <a:xfrm>
-            <a:off x="232756" y="3416530"/>
-            <a:ext cx="1845426" cy="540328"/>
+            <a:off x="0" y="2323407"/>
+            <a:ext cx="2552008" cy="581891"/>
           </a:xfrm>
           <a:prstGeom prst="rect">
             <a:avLst/>
@@ -6432,7 +6842,11 @@
             <a:pPr algn="ctr"/>
             <a:r>
               <a:rPr lang="en-GB" dirty="0" smtClean="0"/>
-              <a:t>Director age</a:t>
+              <a:t>Search </a:t>
+            </a:r>
+            <a:r>
+              <a:rPr lang="en-GB" dirty="0" smtClean="0"/>
+              <a:t>actor</a:t>
             </a:r>
             <a:endParaRPr lang="en-GB" dirty="0"/>
           </a:p>
@@ -6440,14 +6854,332 @@
       </p:sp>
       <p:sp>
         <p:nvSpPr>
-          <p:cNvPr id="12" name="Rectangle 11"/>
+          <p:cNvPr id="10" name="Rectangle 9"/>
           <p:cNvSpPr/>
           <p:nvPr/>
         </p:nvSpPr>
         <p:spPr>
           <a:xfrm>
-            <a:off x="332508" y="4921134"/>
-            <a:ext cx="1845426" cy="540328"/>
+            <a:off x="2173778" y="181094"/>
+            <a:ext cx="5848004" cy="369332"/>
+          </a:xfrm>
+          <a:prstGeom prst="rect">
+            <a:avLst/>
+          </a:prstGeom>
+        </p:spPr>
+        <p:style>
+          <a:lnRef idx="2">
+            <a:schemeClr val="dk1"/>
+          </a:lnRef>
+          <a:fillRef idx="1">
+            <a:schemeClr val="lt1"/>
+          </a:fillRef>
+          <a:effectRef idx="0">
+            <a:schemeClr val="dk1"/>
+          </a:effectRef>
+          <a:fontRef idx="minor">
+            <a:schemeClr val="dk1"/>
+          </a:fontRef>
+        </p:style>
+        <p:txBody>
+          <a:bodyPr rtlCol="0" anchor="ctr"/>
+          <a:lstStyle/>
+          <a:p>
+            <a:pPr algn="ctr"/>
+            <a:r>
+              <a:rPr lang="en-GB" sz="1400" dirty="0" smtClean="0"/>
+              <a:t>Movies             Actors              Directors           Genres       </a:t>
+            </a:r>
+            <a:endParaRPr lang="en-GB" sz="1400" dirty="0"/>
+          </a:p>
+        </p:txBody>
+      </p:sp>
+      <p:cxnSp>
+        <p:nvCxnSpPr>
+          <p:cNvPr id="11" name="Straight Arrow Connector 10"/>
+          <p:cNvCxnSpPr/>
+          <p:nvPr/>
+        </p:nvCxnSpPr>
+        <p:spPr>
+          <a:xfrm flipH="1" flipV="1">
+            <a:off x="8520545" y="2826327"/>
+            <a:ext cx="972590" cy="340822"/>
+          </a:xfrm>
+          <a:prstGeom prst="straightConnector1">
+            <a:avLst/>
+          </a:prstGeom>
+          <a:ln>
+            <a:tailEnd type="triangle"/>
+          </a:ln>
+        </p:spPr>
+        <p:style>
+          <a:lnRef idx="3">
+            <a:schemeClr val="dk1"/>
+          </a:lnRef>
+          <a:fillRef idx="0">
+            <a:schemeClr val="dk1"/>
+          </a:fillRef>
+          <a:effectRef idx="2">
+            <a:schemeClr val="dk1"/>
+          </a:effectRef>
+          <a:fontRef idx="minor">
+            <a:schemeClr val="tx1"/>
+          </a:fontRef>
+        </p:style>
+      </p:cxnSp>
+      <p:sp>
+        <p:nvSpPr>
+          <p:cNvPr id="12" name="TextBox 11"/>
+          <p:cNvSpPr txBox="1"/>
+          <p:nvPr/>
+        </p:nvSpPr>
+        <p:spPr>
+          <a:xfrm>
+            <a:off x="9493135" y="3013260"/>
+            <a:ext cx="1066800" cy="307777"/>
+          </a:xfrm>
+          <a:prstGeom prst="rect">
+            <a:avLst/>
+          </a:prstGeom>
+        </p:spPr>
+        <p:style>
+          <a:lnRef idx="2">
+            <a:schemeClr val="dk1"/>
+          </a:lnRef>
+          <a:fillRef idx="1">
+            <a:schemeClr val="lt1"/>
+          </a:fillRef>
+          <a:effectRef idx="0">
+            <a:schemeClr val="dk1"/>
+          </a:effectRef>
+          <a:fontRef idx="minor">
+            <a:schemeClr val="dk1"/>
+          </a:fontRef>
+        </p:style>
+        <p:txBody>
+          <a:bodyPr wrap="square" rtlCol="0">
+            <a:spAutoFit/>
+          </a:bodyPr>
+          <a:lstStyle/>
+          <a:p>
+            <a:r>
+              <a:rPr lang="en-GB" sz="1400" dirty="0" smtClean="0"/>
+              <a:t>Select actor</a:t>
+            </a:r>
+            <a:endParaRPr lang="en-GB" sz="1400" dirty="0"/>
+          </a:p>
+        </p:txBody>
+      </p:sp>
+    </p:spTree>
+    <p:extLst>
+      <p:ext uri="{BB962C8B-B14F-4D97-AF65-F5344CB8AC3E}">
+        <p14:creationId xmlns:p14="http://schemas.microsoft.com/office/powerpoint/2010/main" val="1371023168"/>
+      </p:ext>
+    </p:extLst>
+  </p:cSld>
+  <p:clrMapOvr>
+    <a:masterClrMapping/>
+  </p:clrMapOvr>
+</p:sld>
+</file>
+
+<file path=ppt/slides/slide7.xml><?xml version="1.0" encoding="utf-8"?>
+<p:sld xmlns:a="http://schemas.openxmlformats.org/drawingml/2006/main" xmlns:r="http://schemas.openxmlformats.org/officeDocument/2006/relationships" xmlns:p="http://schemas.openxmlformats.org/presentationml/2006/main">
+  <p:cSld>
+    <p:spTree>
+      <p:nvGrpSpPr>
+        <p:cNvPr id="1" name=""/>
+        <p:cNvGrpSpPr/>
+        <p:nvPr/>
+      </p:nvGrpSpPr>
+      <p:grpSpPr>
+        <a:xfrm>
+          <a:off x="0" y="0"/>
+          <a:ext cx="0" cy="0"/>
+          <a:chOff x="0" y="0"/>
+          <a:chExt cx="0" cy="0"/>
+        </a:xfrm>
+      </p:grpSpPr>
+      <p:sp>
+        <p:nvSpPr>
+          <p:cNvPr id="4" name="Rectangle 3"/>
+          <p:cNvSpPr/>
+          <p:nvPr/>
+        </p:nvSpPr>
+        <p:spPr>
+          <a:xfrm>
+            <a:off x="0" y="0"/>
+            <a:ext cx="12192000" cy="731520"/>
+          </a:xfrm>
+          <a:prstGeom prst="rect">
+            <a:avLst/>
+          </a:prstGeom>
+        </p:spPr>
+        <p:style>
+          <a:lnRef idx="2">
+            <a:schemeClr val="accent3">
+              <a:shade val="50000"/>
+            </a:schemeClr>
+          </a:lnRef>
+          <a:fillRef idx="1">
+            <a:schemeClr val="accent3"/>
+          </a:fillRef>
+          <a:effectRef idx="0">
+            <a:schemeClr val="accent3"/>
+          </a:effectRef>
+          <a:fontRef idx="minor">
+            <a:schemeClr val="lt1"/>
+          </a:fontRef>
+        </p:style>
+        <p:txBody>
+          <a:bodyPr rtlCol="0" anchor="ctr"/>
+          <a:lstStyle/>
+          <a:p>
+            <a:pPr algn="ctr"/>
+            <a:endParaRPr lang="en-GB"/>
+          </a:p>
+        </p:txBody>
+      </p:sp>
+      <p:sp>
+        <p:nvSpPr>
+          <p:cNvPr id="5" name="TextBox 4"/>
+          <p:cNvSpPr txBox="1"/>
+          <p:nvPr/>
+        </p:nvSpPr>
+        <p:spPr>
+          <a:xfrm>
+            <a:off x="332508" y="104150"/>
+            <a:ext cx="1571106" cy="523220"/>
+          </a:xfrm>
+          <a:prstGeom prst="rect">
+            <a:avLst/>
+          </a:prstGeom>
+          <a:noFill/>
+        </p:spPr>
+        <p:txBody>
+          <a:bodyPr wrap="square" rtlCol="0">
+            <a:spAutoFit/>
+          </a:bodyPr>
+          <a:lstStyle/>
+          <a:p>
+            <a:r>
+              <a:rPr lang="en-GB" sz="2800" dirty="0" smtClean="0"/>
+              <a:t>FilmBase</a:t>
+            </a:r>
+            <a:endParaRPr lang="en-GB" sz="2800" dirty="0"/>
+          </a:p>
+        </p:txBody>
+      </p:sp>
+      <p:sp>
+        <p:nvSpPr>
+          <p:cNvPr id="6" name="TextBox 5"/>
+          <p:cNvSpPr txBox="1"/>
+          <p:nvPr/>
+        </p:nvSpPr>
+        <p:spPr>
+          <a:xfrm>
+            <a:off x="9260378" y="181094"/>
+            <a:ext cx="939339" cy="369332"/>
+          </a:xfrm>
+          <a:prstGeom prst="rect">
+            <a:avLst/>
+          </a:prstGeom>
+          <a:noFill/>
+        </p:spPr>
+        <p:txBody>
+          <a:bodyPr wrap="square" rtlCol="0">
+            <a:spAutoFit/>
+          </a:bodyPr>
+          <a:lstStyle/>
+          <a:p>
+            <a:r>
+              <a:rPr lang="en-GB" dirty="0" smtClean="0"/>
+              <a:t>Log in</a:t>
+            </a:r>
+            <a:endParaRPr lang="en-GB" dirty="0"/>
+          </a:p>
+        </p:txBody>
+      </p:sp>
+      <p:sp>
+        <p:nvSpPr>
+          <p:cNvPr id="7" name="TextBox 6"/>
+          <p:cNvSpPr txBox="1"/>
+          <p:nvPr/>
+        </p:nvSpPr>
+        <p:spPr>
+          <a:xfrm>
+            <a:off x="10534996" y="181094"/>
+            <a:ext cx="1113906" cy="369332"/>
+          </a:xfrm>
+          <a:prstGeom prst="rect">
+            <a:avLst/>
+          </a:prstGeom>
+          <a:noFill/>
+        </p:spPr>
+        <p:txBody>
+          <a:bodyPr wrap="square" rtlCol="0">
+            <a:spAutoFit/>
+          </a:bodyPr>
+          <a:lstStyle/>
+          <a:p>
+            <a:r>
+              <a:rPr lang="en-GB" dirty="0" smtClean="0"/>
+              <a:t>Register</a:t>
+            </a:r>
+            <a:endParaRPr lang="en-GB" dirty="0"/>
+          </a:p>
+        </p:txBody>
+      </p:sp>
+      <p:sp>
+        <p:nvSpPr>
+          <p:cNvPr id="15" name="Rectangle 14"/>
+          <p:cNvSpPr/>
+          <p:nvPr/>
+        </p:nvSpPr>
+        <p:spPr>
+          <a:xfrm>
+            <a:off x="0" y="6575367"/>
+            <a:ext cx="12192000" cy="282633"/>
+          </a:xfrm>
+          <a:prstGeom prst="rect">
+            <a:avLst/>
+          </a:prstGeom>
+        </p:spPr>
+        <p:style>
+          <a:lnRef idx="2">
+            <a:schemeClr val="accent3">
+              <a:shade val="50000"/>
+            </a:schemeClr>
+          </a:lnRef>
+          <a:fillRef idx="1">
+            <a:schemeClr val="accent3"/>
+          </a:fillRef>
+          <a:effectRef idx="0">
+            <a:schemeClr val="accent3"/>
+          </a:effectRef>
+          <a:fontRef idx="minor">
+            <a:schemeClr val="lt1"/>
+          </a:fontRef>
+        </p:style>
+        <p:txBody>
+          <a:bodyPr rtlCol="0" anchor="ctr"/>
+          <a:lstStyle/>
+          <a:p>
+            <a:pPr algn="ctr"/>
+            <a:endParaRPr lang="en-GB"/>
+          </a:p>
+        </p:txBody>
+      </p:sp>
+      <p:sp>
+        <p:nvSpPr>
+          <p:cNvPr id="16" name="Rectangle 15"/>
+          <p:cNvSpPr/>
+          <p:nvPr/>
+        </p:nvSpPr>
+        <p:spPr>
+          <a:xfrm>
+            <a:off x="2851265" y="1803862"/>
+            <a:ext cx="3067397" cy="3657600"/>
           </a:xfrm>
           <a:prstGeom prst="rect">
             <a:avLst/>
@@ -6474,7 +7206,7 @@
             <a:pPr algn="ctr"/>
             <a:r>
               <a:rPr lang="en-GB" dirty="0" smtClean="0"/>
-              <a:t>Director date of birth</a:t>
+              <a:t>Actor biography</a:t>
             </a:r>
             <a:endParaRPr lang="en-GB" dirty="0"/>
           </a:p>
@@ -6482,14 +7214,14 @@
       </p:sp>
       <p:sp>
         <p:nvSpPr>
-          <p:cNvPr id="13" name="Rectangle 12"/>
+          <p:cNvPr id="17" name="Rectangle 16"/>
           <p:cNvSpPr/>
           <p:nvPr/>
         </p:nvSpPr>
         <p:spPr>
           <a:xfrm>
-            <a:off x="5918662" y="1799705"/>
-            <a:ext cx="1745673" cy="1886989"/>
+            <a:off x="232756" y="1911927"/>
+            <a:ext cx="1845426" cy="540328"/>
           </a:xfrm>
           <a:prstGeom prst="rect">
             <a:avLst/>
@@ -6516,7 +7248,7 @@
             <a:pPr algn="ctr"/>
             <a:r>
               <a:rPr lang="en-GB" dirty="0" smtClean="0"/>
-              <a:t>Filmography</a:t>
+              <a:t>Actor name</a:t>
             </a:r>
             <a:endParaRPr lang="en-GB" dirty="0"/>
           </a:p>
@@ -6524,14 +7256,14 @@
       </p:sp>
       <p:sp>
         <p:nvSpPr>
-          <p:cNvPr id="14" name="Rectangle 13"/>
+          <p:cNvPr id="18" name="Rectangle 17"/>
           <p:cNvSpPr/>
           <p:nvPr/>
         </p:nvSpPr>
         <p:spPr>
           <a:xfrm>
-            <a:off x="7789025" y="1371599"/>
-            <a:ext cx="4089862" cy="4165739"/>
+            <a:off x="232756" y="3416530"/>
+            <a:ext cx="1845426" cy="540328"/>
           </a:xfrm>
           <a:prstGeom prst="rect">
             <a:avLst/>
@@ -6558,7 +7290,7 @@
             <a:pPr algn="ctr"/>
             <a:r>
               <a:rPr lang="en-GB" dirty="0" smtClean="0"/>
-              <a:t>User Comments</a:t>
+              <a:t>Actor age</a:t>
             </a:r>
             <a:endParaRPr lang="en-GB" dirty="0"/>
           </a:p>
@@ -6566,14 +7298,14 @@
       </p:sp>
       <p:sp>
         <p:nvSpPr>
-          <p:cNvPr id="15" name="Rectangle 14"/>
+          <p:cNvPr id="19" name="Rectangle 18"/>
           <p:cNvSpPr/>
           <p:nvPr/>
         </p:nvSpPr>
         <p:spPr>
           <a:xfrm>
-            <a:off x="7789025" y="5627716"/>
-            <a:ext cx="4089862" cy="648485"/>
+            <a:off x="332508" y="4921134"/>
+            <a:ext cx="1845426" cy="540328"/>
           </a:xfrm>
           <a:prstGeom prst="rect">
             <a:avLst/>
@@ -6600,9 +7332,1295 @@
             <a:pPr algn="ctr"/>
             <a:r>
               <a:rPr lang="en-GB" dirty="0" smtClean="0"/>
+              <a:t>Actor date of birth</a:t>
+            </a:r>
+            <a:endParaRPr lang="en-GB" dirty="0"/>
+          </a:p>
+        </p:txBody>
+      </p:sp>
+      <p:sp>
+        <p:nvSpPr>
+          <p:cNvPr id="21" name="Rectangle 20"/>
+          <p:cNvSpPr/>
+          <p:nvPr/>
+        </p:nvSpPr>
+        <p:spPr>
+          <a:xfrm>
+            <a:off x="5918662" y="1799705"/>
+            <a:ext cx="1745673" cy="1886989"/>
+          </a:xfrm>
+          <a:prstGeom prst="rect">
+            <a:avLst/>
+          </a:prstGeom>
+        </p:spPr>
+        <p:style>
+          <a:lnRef idx="2">
+            <a:schemeClr val="accent4"/>
+          </a:lnRef>
+          <a:fillRef idx="1">
+            <a:schemeClr val="lt1"/>
+          </a:fillRef>
+          <a:effectRef idx="0">
+            <a:schemeClr val="accent4"/>
+          </a:effectRef>
+          <a:fontRef idx="minor">
+            <a:schemeClr val="dk1"/>
+          </a:fontRef>
+        </p:style>
+        <p:txBody>
+          <a:bodyPr rtlCol="0" anchor="ctr"/>
+          <a:lstStyle/>
+          <a:p>
+            <a:pPr algn="ctr"/>
+            <a:r>
+              <a:rPr lang="en-GB" dirty="0" smtClean="0"/>
+              <a:t>Filmography</a:t>
+            </a:r>
+            <a:endParaRPr lang="en-GB" dirty="0"/>
+          </a:p>
+        </p:txBody>
+      </p:sp>
+      <p:sp>
+        <p:nvSpPr>
+          <p:cNvPr id="22" name="Rectangle 21"/>
+          <p:cNvSpPr/>
+          <p:nvPr/>
+        </p:nvSpPr>
+        <p:spPr>
+          <a:xfrm>
+            <a:off x="7789025" y="1371599"/>
+            <a:ext cx="4089862" cy="4165739"/>
+          </a:xfrm>
+          <a:prstGeom prst="rect">
+            <a:avLst/>
+          </a:prstGeom>
+        </p:spPr>
+        <p:style>
+          <a:lnRef idx="2">
+            <a:schemeClr val="accent4"/>
+          </a:lnRef>
+          <a:fillRef idx="1">
+            <a:schemeClr val="lt1"/>
+          </a:fillRef>
+          <a:effectRef idx="0">
+            <a:schemeClr val="accent4"/>
+          </a:effectRef>
+          <a:fontRef idx="minor">
+            <a:schemeClr val="dk1"/>
+          </a:fontRef>
+        </p:style>
+        <p:txBody>
+          <a:bodyPr rtlCol="0" anchor="ctr"/>
+          <a:lstStyle/>
+          <a:p>
+            <a:pPr algn="ctr"/>
+            <a:r>
+              <a:rPr lang="en-GB" dirty="0" smtClean="0"/>
+              <a:t>User Comments</a:t>
+            </a:r>
+            <a:endParaRPr lang="en-GB" dirty="0"/>
+          </a:p>
+        </p:txBody>
+      </p:sp>
+      <p:sp>
+        <p:nvSpPr>
+          <p:cNvPr id="23" name="Rectangle 22"/>
+          <p:cNvSpPr/>
+          <p:nvPr/>
+        </p:nvSpPr>
+        <p:spPr>
+          <a:xfrm>
+            <a:off x="7789025" y="5627716"/>
+            <a:ext cx="4089862" cy="648485"/>
+          </a:xfrm>
+          <a:prstGeom prst="rect">
+            <a:avLst/>
+          </a:prstGeom>
+        </p:spPr>
+        <p:style>
+          <a:lnRef idx="2">
+            <a:schemeClr val="accent4"/>
+          </a:lnRef>
+          <a:fillRef idx="1">
+            <a:schemeClr val="lt1"/>
+          </a:fillRef>
+          <a:effectRef idx="0">
+            <a:schemeClr val="accent4"/>
+          </a:effectRef>
+          <a:fontRef idx="minor">
+            <a:schemeClr val="dk1"/>
+          </a:fontRef>
+        </p:style>
+        <p:txBody>
+          <a:bodyPr rtlCol="0" anchor="ctr"/>
+          <a:lstStyle/>
+          <a:p>
+            <a:pPr algn="ctr"/>
+            <a:r>
+              <a:rPr lang="en-GB" dirty="0" smtClean="0"/>
               <a:t>Add Comment</a:t>
             </a:r>
             <a:endParaRPr lang="en-GB" dirty="0"/>
+          </a:p>
+        </p:txBody>
+      </p:sp>
+      <p:sp>
+        <p:nvSpPr>
+          <p:cNvPr id="14" name="Rectangle 13"/>
+          <p:cNvSpPr/>
+          <p:nvPr/>
+        </p:nvSpPr>
+        <p:spPr>
+          <a:xfrm>
+            <a:off x="2173778" y="181094"/>
+            <a:ext cx="5848004" cy="369332"/>
+          </a:xfrm>
+          <a:prstGeom prst="rect">
+            <a:avLst/>
+          </a:prstGeom>
+        </p:spPr>
+        <p:style>
+          <a:lnRef idx="2">
+            <a:schemeClr val="dk1"/>
+          </a:lnRef>
+          <a:fillRef idx="1">
+            <a:schemeClr val="lt1"/>
+          </a:fillRef>
+          <a:effectRef idx="0">
+            <a:schemeClr val="dk1"/>
+          </a:effectRef>
+          <a:fontRef idx="minor">
+            <a:schemeClr val="dk1"/>
+          </a:fontRef>
+        </p:style>
+        <p:txBody>
+          <a:bodyPr rtlCol="0" anchor="ctr"/>
+          <a:lstStyle/>
+          <a:p>
+            <a:pPr algn="ctr"/>
+            <a:r>
+              <a:rPr lang="en-GB" sz="1400" dirty="0" smtClean="0"/>
+              <a:t>Movies             Actors              Directors           Genres       </a:t>
+            </a:r>
+            <a:endParaRPr lang="en-GB" sz="1400" dirty="0"/>
+          </a:p>
+        </p:txBody>
+      </p:sp>
+    </p:spTree>
+    <p:extLst>
+      <p:ext uri="{BB962C8B-B14F-4D97-AF65-F5344CB8AC3E}">
+        <p14:creationId xmlns:p14="http://schemas.microsoft.com/office/powerpoint/2010/main" val="3097416568"/>
+      </p:ext>
+    </p:extLst>
+  </p:cSld>
+  <p:clrMapOvr>
+    <a:masterClrMapping/>
+  </p:clrMapOvr>
+</p:sld>
+</file>
+
+<file path=ppt/slides/slide8.xml><?xml version="1.0" encoding="utf-8"?>
+<p:sld xmlns:a="http://schemas.openxmlformats.org/drawingml/2006/main" xmlns:r="http://schemas.openxmlformats.org/officeDocument/2006/relationships" xmlns:p="http://schemas.openxmlformats.org/presentationml/2006/main">
+  <p:cSld>
+    <p:spTree>
+      <p:nvGrpSpPr>
+        <p:cNvPr id="1" name=""/>
+        <p:cNvGrpSpPr/>
+        <p:nvPr/>
+      </p:nvGrpSpPr>
+      <p:grpSpPr>
+        <a:xfrm>
+          <a:off x="0" y="0"/>
+          <a:ext cx="0" cy="0"/>
+          <a:chOff x="0" y="0"/>
+          <a:chExt cx="0" cy="0"/>
+        </a:xfrm>
+      </p:grpSpPr>
+      <p:sp>
+        <p:nvSpPr>
+          <p:cNvPr id="4" name="Rectangle 3"/>
+          <p:cNvSpPr/>
+          <p:nvPr/>
+        </p:nvSpPr>
+        <p:spPr>
+          <a:xfrm>
+            <a:off x="0" y="0"/>
+            <a:ext cx="12192000" cy="731520"/>
+          </a:xfrm>
+          <a:prstGeom prst="rect">
+            <a:avLst/>
+          </a:prstGeom>
+        </p:spPr>
+        <p:style>
+          <a:lnRef idx="2">
+            <a:schemeClr val="accent3">
+              <a:shade val="50000"/>
+            </a:schemeClr>
+          </a:lnRef>
+          <a:fillRef idx="1">
+            <a:schemeClr val="accent3"/>
+          </a:fillRef>
+          <a:effectRef idx="0">
+            <a:schemeClr val="accent3"/>
+          </a:effectRef>
+          <a:fontRef idx="minor">
+            <a:schemeClr val="lt1"/>
+          </a:fontRef>
+        </p:style>
+        <p:txBody>
+          <a:bodyPr rtlCol="0" anchor="ctr"/>
+          <a:lstStyle/>
+          <a:p>
+            <a:pPr algn="ctr"/>
+            <a:endParaRPr lang="en-GB"/>
+          </a:p>
+        </p:txBody>
+      </p:sp>
+      <p:sp>
+        <p:nvSpPr>
+          <p:cNvPr id="5" name="TextBox 4"/>
+          <p:cNvSpPr txBox="1"/>
+          <p:nvPr/>
+        </p:nvSpPr>
+        <p:spPr>
+          <a:xfrm>
+            <a:off x="332508" y="104150"/>
+            <a:ext cx="1571106" cy="523220"/>
+          </a:xfrm>
+          <a:prstGeom prst="rect">
+            <a:avLst/>
+          </a:prstGeom>
+          <a:noFill/>
+        </p:spPr>
+        <p:txBody>
+          <a:bodyPr wrap="square" rtlCol="0">
+            <a:spAutoFit/>
+          </a:bodyPr>
+          <a:lstStyle/>
+          <a:p>
+            <a:r>
+              <a:rPr lang="en-GB" sz="2800" dirty="0" smtClean="0"/>
+              <a:t>FilmBase</a:t>
+            </a:r>
+            <a:endParaRPr lang="en-GB" sz="2800" dirty="0"/>
+          </a:p>
+        </p:txBody>
+      </p:sp>
+      <p:sp>
+        <p:nvSpPr>
+          <p:cNvPr id="6" name="TextBox 5"/>
+          <p:cNvSpPr txBox="1"/>
+          <p:nvPr/>
+        </p:nvSpPr>
+        <p:spPr>
+          <a:xfrm>
+            <a:off x="9260378" y="181094"/>
+            <a:ext cx="939339" cy="369332"/>
+          </a:xfrm>
+          <a:prstGeom prst="rect">
+            <a:avLst/>
+          </a:prstGeom>
+          <a:noFill/>
+        </p:spPr>
+        <p:txBody>
+          <a:bodyPr wrap="square" rtlCol="0">
+            <a:spAutoFit/>
+          </a:bodyPr>
+          <a:lstStyle/>
+          <a:p>
+            <a:r>
+              <a:rPr lang="en-GB" dirty="0" smtClean="0"/>
+              <a:t>Log in</a:t>
+            </a:r>
+            <a:endParaRPr lang="en-GB" dirty="0"/>
+          </a:p>
+        </p:txBody>
+      </p:sp>
+      <p:sp>
+        <p:nvSpPr>
+          <p:cNvPr id="7" name="TextBox 6"/>
+          <p:cNvSpPr txBox="1"/>
+          <p:nvPr/>
+        </p:nvSpPr>
+        <p:spPr>
+          <a:xfrm>
+            <a:off x="10534996" y="181094"/>
+            <a:ext cx="1113906" cy="369332"/>
+          </a:xfrm>
+          <a:prstGeom prst="rect">
+            <a:avLst/>
+          </a:prstGeom>
+          <a:noFill/>
+        </p:spPr>
+        <p:txBody>
+          <a:bodyPr wrap="square" rtlCol="0">
+            <a:spAutoFit/>
+          </a:bodyPr>
+          <a:lstStyle/>
+          <a:p>
+            <a:r>
+              <a:rPr lang="en-GB" dirty="0" smtClean="0"/>
+              <a:t>Register</a:t>
+            </a:r>
+            <a:endParaRPr lang="en-GB" dirty="0"/>
+          </a:p>
+        </p:txBody>
+      </p:sp>
+      <p:sp>
+        <p:nvSpPr>
+          <p:cNvPr id="8" name="TextBox 7"/>
+          <p:cNvSpPr txBox="1"/>
+          <p:nvPr/>
+        </p:nvSpPr>
+        <p:spPr>
+          <a:xfrm>
+            <a:off x="972589" y="2011680"/>
+            <a:ext cx="3965171" cy="1169551"/>
+          </a:xfrm>
+          <a:prstGeom prst="rect">
+            <a:avLst/>
+          </a:prstGeom>
+          <a:noFill/>
+        </p:spPr>
+        <p:txBody>
+          <a:bodyPr wrap="square" rtlCol="0">
+            <a:spAutoFit/>
+          </a:bodyPr>
+          <a:lstStyle/>
+          <a:p>
+            <a:r>
+              <a:rPr lang="en-GB" sz="5400" dirty="0" smtClean="0"/>
+              <a:t>FilmBase</a:t>
+            </a:r>
+          </a:p>
+          <a:p>
+            <a:r>
+              <a:rPr lang="en-GB" sz="1600" dirty="0" smtClean="0"/>
+              <a:t>//Description</a:t>
+            </a:r>
+            <a:endParaRPr lang="en-GB" sz="1600" dirty="0"/>
+          </a:p>
+        </p:txBody>
+      </p:sp>
+      <p:sp>
+        <p:nvSpPr>
+          <p:cNvPr id="9" name="TextBox 8"/>
+          <p:cNvSpPr txBox="1"/>
+          <p:nvPr/>
+        </p:nvSpPr>
+        <p:spPr>
+          <a:xfrm>
+            <a:off x="972589" y="4023360"/>
+            <a:ext cx="2402378" cy="584775"/>
+          </a:xfrm>
+          <a:prstGeom prst="rect">
+            <a:avLst/>
+          </a:prstGeom>
+          <a:noFill/>
+        </p:spPr>
+        <p:txBody>
+          <a:bodyPr wrap="square" rtlCol="0">
+            <a:spAutoFit/>
+          </a:bodyPr>
+          <a:lstStyle/>
+          <a:p>
+            <a:r>
+              <a:rPr lang="en-GB" dirty="0" smtClean="0"/>
+              <a:t>Top 10 films</a:t>
+            </a:r>
+          </a:p>
+          <a:p>
+            <a:r>
+              <a:rPr lang="en-GB" sz="1400" dirty="0" smtClean="0"/>
+              <a:t>//Description</a:t>
+            </a:r>
+            <a:endParaRPr lang="en-GB" sz="1400" dirty="0"/>
+          </a:p>
+        </p:txBody>
+      </p:sp>
+      <p:sp>
+        <p:nvSpPr>
+          <p:cNvPr id="10" name="TextBox 9"/>
+          <p:cNvSpPr txBox="1"/>
+          <p:nvPr/>
+        </p:nvSpPr>
+        <p:spPr>
+          <a:xfrm>
+            <a:off x="4328851" y="4023359"/>
+            <a:ext cx="2069869" cy="584775"/>
+          </a:xfrm>
+          <a:prstGeom prst="rect">
+            <a:avLst/>
+          </a:prstGeom>
+          <a:noFill/>
+        </p:spPr>
+        <p:txBody>
+          <a:bodyPr wrap="square" rtlCol="0">
+            <a:spAutoFit/>
+          </a:bodyPr>
+          <a:lstStyle/>
+          <a:p>
+            <a:r>
+              <a:rPr lang="en-GB" dirty="0" smtClean="0"/>
+              <a:t>Film genres</a:t>
+            </a:r>
+          </a:p>
+          <a:p>
+            <a:r>
+              <a:rPr lang="en-GB" sz="1400" dirty="0" smtClean="0"/>
+              <a:t>//Description</a:t>
+            </a:r>
+            <a:endParaRPr lang="en-GB" sz="1400" dirty="0"/>
+          </a:p>
+        </p:txBody>
+      </p:sp>
+      <p:sp>
+        <p:nvSpPr>
+          <p:cNvPr id="11" name="TextBox 10"/>
+          <p:cNvSpPr txBox="1"/>
+          <p:nvPr/>
+        </p:nvSpPr>
+        <p:spPr>
+          <a:xfrm>
+            <a:off x="7701740" y="4023359"/>
+            <a:ext cx="2003367" cy="584775"/>
+          </a:xfrm>
+          <a:prstGeom prst="rect">
+            <a:avLst/>
+          </a:prstGeom>
+          <a:noFill/>
+        </p:spPr>
+        <p:txBody>
+          <a:bodyPr wrap="square" rtlCol="0">
+            <a:spAutoFit/>
+          </a:bodyPr>
+          <a:lstStyle/>
+          <a:p>
+            <a:r>
+              <a:rPr lang="en-GB" dirty="0" smtClean="0"/>
+              <a:t>Actors</a:t>
+            </a:r>
+          </a:p>
+          <a:p>
+            <a:r>
+              <a:rPr lang="en-GB" sz="1400" dirty="0" smtClean="0"/>
+              <a:t>//Description</a:t>
+            </a:r>
+            <a:endParaRPr lang="en-GB" sz="1400" dirty="0"/>
+          </a:p>
+        </p:txBody>
+      </p:sp>
+      <p:sp>
+        <p:nvSpPr>
+          <p:cNvPr id="12" name="Rounded Rectangle 11"/>
+          <p:cNvSpPr/>
+          <p:nvPr/>
+        </p:nvSpPr>
+        <p:spPr>
+          <a:xfrm>
+            <a:off x="972589" y="4838007"/>
+            <a:ext cx="1201189" cy="490451"/>
+          </a:xfrm>
+          <a:prstGeom prst="roundRect">
+            <a:avLst/>
+          </a:prstGeom>
+        </p:spPr>
+        <p:style>
+          <a:lnRef idx="2">
+            <a:schemeClr val="accent4">
+              <a:shade val="50000"/>
+            </a:schemeClr>
+          </a:lnRef>
+          <a:fillRef idx="1">
+            <a:schemeClr val="accent4"/>
+          </a:fillRef>
+          <a:effectRef idx="0">
+            <a:schemeClr val="accent4"/>
+          </a:effectRef>
+          <a:fontRef idx="minor">
+            <a:schemeClr val="lt1"/>
+          </a:fontRef>
+        </p:style>
+        <p:txBody>
+          <a:bodyPr rtlCol="0" anchor="ctr"/>
+          <a:lstStyle/>
+          <a:p>
+            <a:pPr algn="ctr"/>
+            <a:r>
+              <a:rPr lang="en-GB" dirty="0" smtClean="0">
+                <a:solidFill>
+                  <a:schemeClr val="tx1"/>
+                </a:solidFill>
+              </a:rPr>
+              <a:t>Button</a:t>
+            </a:r>
+            <a:endParaRPr lang="en-GB" dirty="0">
+              <a:solidFill>
+                <a:schemeClr val="tx1"/>
+              </a:solidFill>
+            </a:endParaRPr>
+          </a:p>
+        </p:txBody>
+      </p:sp>
+      <p:sp>
+        <p:nvSpPr>
+          <p:cNvPr id="13" name="Rounded Rectangle 12"/>
+          <p:cNvSpPr/>
+          <p:nvPr/>
+        </p:nvSpPr>
+        <p:spPr>
+          <a:xfrm>
+            <a:off x="7701740" y="4838003"/>
+            <a:ext cx="1201189" cy="490451"/>
+          </a:xfrm>
+          <a:prstGeom prst="roundRect">
+            <a:avLst/>
+          </a:prstGeom>
+        </p:spPr>
+        <p:style>
+          <a:lnRef idx="2">
+            <a:schemeClr val="accent4">
+              <a:shade val="50000"/>
+            </a:schemeClr>
+          </a:lnRef>
+          <a:fillRef idx="1">
+            <a:schemeClr val="accent4"/>
+          </a:fillRef>
+          <a:effectRef idx="0">
+            <a:schemeClr val="accent4"/>
+          </a:effectRef>
+          <a:fontRef idx="minor">
+            <a:schemeClr val="lt1"/>
+          </a:fontRef>
+        </p:style>
+        <p:txBody>
+          <a:bodyPr rtlCol="0" anchor="ctr"/>
+          <a:lstStyle/>
+          <a:p>
+            <a:pPr algn="ctr"/>
+            <a:r>
+              <a:rPr lang="en-GB" dirty="0" smtClean="0">
+                <a:solidFill>
+                  <a:schemeClr val="tx1"/>
+                </a:solidFill>
+              </a:rPr>
+              <a:t>Button</a:t>
+            </a:r>
+            <a:endParaRPr lang="en-GB" dirty="0">
+              <a:solidFill>
+                <a:schemeClr val="tx1"/>
+              </a:solidFill>
+            </a:endParaRPr>
+          </a:p>
+        </p:txBody>
+      </p:sp>
+      <p:sp>
+        <p:nvSpPr>
+          <p:cNvPr id="14" name="Rounded Rectangle 13"/>
+          <p:cNvSpPr/>
+          <p:nvPr/>
+        </p:nvSpPr>
+        <p:spPr>
+          <a:xfrm>
+            <a:off x="4337165" y="4838003"/>
+            <a:ext cx="1201189" cy="490451"/>
+          </a:xfrm>
+          <a:prstGeom prst="roundRect">
+            <a:avLst/>
+          </a:prstGeom>
+        </p:spPr>
+        <p:style>
+          <a:lnRef idx="2">
+            <a:schemeClr val="accent4">
+              <a:shade val="50000"/>
+            </a:schemeClr>
+          </a:lnRef>
+          <a:fillRef idx="1">
+            <a:schemeClr val="accent4"/>
+          </a:fillRef>
+          <a:effectRef idx="0">
+            <a:schemeClr val="accent4"/>
+          </a:effectRef>
+          <a:fontRef idx="minor">
+            <a:schemeClr val="lt1"/>
+          </a:fontRef>
+        </p:style>
+        <p:txBody>
+          <a:bodyPr rtlCol="0" anchor="ctr"/>
+          <a:lstStyle/>
+          <a:p>
+            <a:pPr algn="ctr"/>
+            <a:r>
+              <a:rPr lang="en-GB" dirty="0" smtClean="0">
+                <a:solidFill>
+                  <a:schemeClr val="tx1"/>
+                </a:solidFill>
+              </a:rPr>
+              <a:t>Button</a:t>
+            </a:r>
+            <a:endParaRPr lang="en-GB" dirty="0">
+              <a:solidFill>
+                <a:schemeClr val="tx1"/>
+              </a:solidFill>
+            </a:endParaRPr>
+          </a:p>
+        </p:txBody>
+      </p:sp>
+      <p:sp>
+        <p:nvSpPr>
+          <p:cNvPr id="15" name="Rectangle 14"/>
+          <p:cNvSpPr/>
+          <p:nvPr/>
+        </p:nvSpPr>
+        <p:spPr>
+          <a:xfrm>
+            <a:off x="0" y="6575367"/>
+            <a:ext cx="12192000" cy="282633"/>
+          </a:xfrm>
+          <a:prstGeom prst="rect">
+            <a:avLst/>
+          </a:prstGeom>
+        </p:spPr>
+        <p:style>
+          <a:lnRef idx="2">
+            <a:schemeClr val="accent3">
+              <a:shade val="50000"/>
+            </a:schemeClr>
+          </a:lnRef>
+          <a:fillRef idx="1">
+            <a:schemeClr val="accent3"/>
+          </a:fillRef>
+          <a:effectRef idx="0">
+            <a:schemeClr val="accent3"/>
+          </a:effectRef>
+          <a:fontRef idx="minor">
+            <a:schemeClr val="lt1"/>
+          </a:fontRef>
+        </p:style>
+        <p:txBody>
+          <a:bodyPr rtlCol="0" anchor="ctr"/>
+          <a:lstStyle/>
+          <a:p>
+            <a:pPr algn="ctr"/>
+            <a:endParaRPr lang="en-GB"/>
+          </a:p>
+        </p:txBody>
+      </p:sp>
+      <p:sp>
+        <p:nvSpPr>
+          <p:cNvPr id="2" name="Rectangle 1"/>
+          <p:cNvSpPr/>
+          <p:nvPr/>
+        </p:nvSpPr>
+        <p:spPr>
+          <a:xfrm>
+            <a:off x="2173778" y="181094"/>
+            <a:ext cx="5848004" cy="369332"/>
+          </a:xfrm>
+          <a:prstGeom prst="rect">
+            <a:avLst/>
+          </a:prstGeom>
+        </p:spPr>
+        <p:style>
+          <a:lnRef idx="2">
+            <a:schemeClr val="dk1"/>
+          </a:lnRef>
+          <a:fillRef idx="1">
+            <a:schemeClr val="lt1"/>
+          </a:fillRef>
+          <a:effectRef idx="0">
+            <a:schemeClr val="dk1"/>
+          </a:effectRef>
+          <a:fontRef idx="minor">
+            <a:schemeClr val="dk1"/>
+          </a:fontRef>
+        </p:style>
+        <p:txBody>
+          <a:bodyPr rtlCol="0" anchor="ctr"/>
+          <a:lstStyle/>
+          <a:p>
+            <a:pPr algn="ctr"/>
+            <a:r>
+              <a:rPr lang="en-GB" sz="1400" dirty="0" smtClean="0"/>
+              <a:t>Movies             Actors              Directors           Genres       </a:t>
+            </a:r>
+            <a:endParaRPr lang="en-GB" sz="1400" dirty="0"/>
+          </a:p>
+        </p:txBody>
+      </p:sp>
+      <p:sp>
+        <p:nvSpPr>
+          <p:cNvPr id="18" name="Oval 17"/>
+          <p:cNvSpPr/>
+          <p:nvPr/>
+        </p:nvSpPr>
+        <p:spPr>
+          <a:xfrm>
+            <a:off x="4937759" y="89311"/>
+            <a:ext cx="1327268" cy="589208"/>
+          </a:xfrm>
+          <a:prstGeom prst="ellipse">
+            <a:avLst/>
+          </a:prstGeom>
+          <a:noFill/>
+          <a:ln w="57150"/>
+        </p:spPr>
+        <p:style>
+          <a:lnRef idx="2">
+            <a:schemeClr val="accent2"/>
+          </a:lnRef>
+          <a:fillRef idx="1">
+            <a:schemeClr val="lt1"/>
+          </a:fillRef>
+          <a:effectRef idx="0">
+            <a:schemeClr val="accent2"/>
+          </a:effectRef>
+          <a:fontRef idx="minor">
+            <a:schemeClr val="dk1"/>
+          </a:fontRef>
+        </p:style>
+        <p:txBody>
+          <a:bodyPr rtlCol="0" anchor="ctr"/>
+          <a:lstStyle/>
+          <a:p>
+            <a:pPr algn="ctr"/>
+            <a:endParaRPr lang="en-GB"/>
+          </a:p>
+        </p:txBody>
+      </p:sp>
+    </p:spTree>
+    <p:extLst>
+      <p:ext uri="{BB962C8B-B14F-4D97-AF65-F5344CB8AC3E}">
+        <p14:creationId xmlns:p14="http://schemas.microsoft.com/office/powerpoint/2010/main" val="1954706192"/>
+      </p:ext>
+    </p:extLst>
+  </p:cSld>
+  <p:clrMapOvr>
+    <a:masterClrMapping/>
+  </p:clrMapOvr>
+</p:sld>
+</file>
+
+<file path=ppt/slides/slide9.xml><?xml version="1.0" encoding="utf-8"?>
+<p:sld xmlns:a="http://schemas.openxmlformats.org/drawingml/2006/main" xmlns:r="http://schemas.openxmlformats.org/officeDocument/2006/relationships" xmlns:p="http://schemas.openxmlformats.org/presentationml/2006/main">
+  <p:cSld>
+    <p:spTree>
+      <p:nvGrpSpPr>
+        <p:cNvPr id="1" name=""/>
+        <p:cNvGrpSpPr/>
+        <p:nvPr/>
+      </p:nvGrpSpPr>
+      <p:grpSpPr>
+        <a:xfrm>
+          <a:off x="0" y="0"/>
+          <a:ext cx="0" cy="0"/>
+          <a:chOff x="0" y="0"/>
+          <a:chExt cx="0" cy="0"/>
+        </a:xfrm>
+      </p:grpSpPr>
+      <p:sp>
+        <p:nvSpPr>
+          <p:cNvPr id="4" name="Rectangle 3"/>
+          <p:cNvSpPr/>
+          <p:nvPr/>
+        </p:nvSpPr>
+        <p:spPr>
+          <a:xfrm>
+            <a:off x="0" y="0"/>
+            <a:ext cx="12192000" cy="731520"/>
+          </a:xfrm>
+          <a:prstGeom prst="rect">
+            <a:avLst/>
+          </a:prstGeom>
+        </p:spPr>
+        <p:style>
+          <a:lnRef idx="2">
+            <a:schemeClr val="accent3">
+              <a:shade val="50000"/>
+            </a:schemeClr>
+          </a:lnRef>
+          <a:fillRef idx="1">
+            <a:schemeClr val="accent3"/>
+          </a:fillRef>
+          <a:effectRef idx="0">
+            <a:schemeClr val="accent3"/>
+          </a:effectRef>
+          <a:fontRef idx="minor">
+            <a:schemeClr val="lt1"/>
+          </a:fontRef>
+        </p:style>
+        <p:txBody>
+          <a:bodyPr rtlCol="0" anchor="ctr"/>
+          <a:lstStyle/>
+          <a:p>
+            <a:pPr algn="ctr"/>
+            <a:endParaRPr lang="en-GB"/>
+          </a:p>
+        </p:txBody>
+      </p:sp>
+      <p:sp>
+        <p:nvSpPr>
+          <p:cNvPr id="5" name="TextBox 4"/>
+          <p:cNvSpPr txBox="1"/>
+          <p:nvPr/>
+        </p:nvSpPr>
+        <p:spPr>
+          <a:xfrm>
+            <a:off x="332508" y="104150"/>
+            <a:ext cx="1571106" cy="523220"/>
+          </a:xfrm>
+          <a:prstGeom prst="rect">
+            <a:avLst/>
+          </a:prstGeom>
+          <a:noFill/>
+        </p:spPr>
+        <p:txBody>
+          <a:bodyPr wrap="square" rtlCol="0">
+            <a:spAutoFit/>
+          </a:bodyPr>
+          <a:lstStyle/>
+          <a:p>
+            <a:r>
+              <a:rPr lang="en-GB" sz="2800" dirty="0" smtClean="0"/>
+              <a:t>FilmBase</a:t>
+            </a:r>
+            <a:endParaRPr lang="en-GB" sz="2800" dirty="0"/>
+          </a:p>
+        </p:txBody>
+      </p:sp>
+      <p:sp>
+        <p:nvSpPr>
+          <p:cNvPr id="6" name="TextBox 5"/>
+          <p:cNvSpPr txBox="1"/>
+          <p:nvPr/>
+        </p:nvSpPr>
+        <p:spPr>
+          <a:xfrm>
+            <a:off x="9260378" y="181094"/>
+            <a:ext cx="939339" cy="369332"/>
+          </a:xfrm>
+          <a:prstGeom prst="rect">
+            <a:avLst/>
+          </a:prstGeom>
+          <a:noFill/>
+        </p:spPr>
+        <p:txBody>
+          <a:bodyPr wrap="square" rtlCol="0">
+            <a:spAutoFit/>
+          </a:bodyPr>
+          <a:lstStyle/>
+          <a:p>
+            <a:r>
+              <a:rPr lang="en-GB" dirty="0" smtClean="0"/>
+              <a:t>Log in</a:t>
+            </a:r>
+            <a:endParaRPr lang="en-GB" dirty="0"/>
+          </a:p>
+        </p:txBody>
+      </p:sp>
+      <p:sp>
+        <p:nvSpPr>
+          <p:cNvPr id="7" name="TextBox 6"/>
+          <p:cNvSpPr txBox="1"/>
+          <p:nvPr/>
+        </p:nvSpPr>
+        <p:spPr>
+          <a:xfrm>
+            <a:off x="10534996" y="181094"/>
+            <a:ext cx="1113906" cy="369332"/>
+          </a:xfrm>
+          <a:prstGeom prst="rect">
+            <a:avLst/>
+          </a:prstGeom>
+          <a:noFill/>
+        </p:spPr>
+        <p:txBody>
+          <a:bodyPr wrap="square" rtlCol="0">
+            <a:spAutoFit/>
+          </a:bodyPr>
+          <a:lstStyle/>
+          <a:p>
+            <a:r>
+              <a:rPr lang="en-GB" dirty="0" smtClean="0"/>
+              <a:t>Register</a:t>
+            </a:r>
+            <a:endParaRPr lang="en-GB" dirty="0"/>
+          </a:p>
+        </p:txBody>
+      </p:sp>
+      <p:sp>
+        <p:nvSpPr>
+          <p:cNvPr id="8" name="Rectangle 7"/>
+          <p:cNvSpPr/>
+          <p:nvPr/>
+        </p:nvSpPr>
+        <p:spPr>
+          <a:xfrm>
+            <a:off x="0" y="6575367"/>
+            <a:ext cx="12192000" cy="282633"/>
+          </a:xfrm>
+          <a:prstGeom prst="rect">
+            <a:avLst/>
+          </a:prstGeom>
+        </p:spPr>
+        <p:style>
+          <a:lnRef idx="2">
+            <a:schemeClr val="accent3">
+              <a:shade val="50000"/>
+            </a:schemeClr>
+          </a:lnRef>
+          <a:fillRef idx="1">
+            <a:schemeClr val="accent3"/>
+          </a:fillRef>
+          <a:effectRef idx="0">
+            <a:schemeClr val="accent3"/>
+          </a:effectRef>
+          <a:fontRef idx="minor">
+            <a:schemeClr val="lt1"/>
+          </a:fontRef>
+        </p:style>
+        <p:txBody>
+          <a:bodyPr rtlCol="0" anchor="ctr"/>
+          <a:lstStyle/>
+          <a:p>
+            <a:pPr algn="ctr"/>
+            <a:endParaRPr lang="en-GB"/>
+          </a:p>
+        </p:txBody>
+      </p:sp>
+      <p:sp>
+        <p:nvSpPr>
+          <p:cNvPr id="9" name="Rectangle 8"/>
+          <p:cNvSpPr/>
+          <p:nvPr/>
+        </p:nvSpPr>
+        <p:spPr>
+          <a:xfrm>
+            <a:off x="2851265" y="1803862"/>
+            <a:ext cx="3067397" cy="3657600"/>
+          </a:xfrm>
+          <a:prstGeom prst="rect">
+            <a:avLst/>
+          </a:prstGeom>
+        </p:spPr>
+        <p:style>
+          <a:lnRef idx="2">
+            <a:schemeClr val="accent4"/>
+          </a:lnRef>
+          <a:fillRef idx="1">
+            <a:schemeClr val="lt1"/>
+          </a:fillRef>
+          <a:effectRef idx="0">
+            <a:schemeClr val="accent4"/>
+          </a:effectRef>
+          <a:fontRef idx="minor">
+            <a:schemeClr val="dk1"/>
+          </a:fontRef>
+        </p:style>
+        <p:txBody>
+          <a:bodyPr rtlCol="0" anchor="ctr"/>
+          <a:lstStyle/>
+          <a:p>
+            <a:pPr algn="ctr"/>
+            <a:r>
+              <a:rPr lang="en-GB" dirty="0" smtClean="0"/>
+              <a:t>Director biography</a:t>
+            </a:r>
+            <a:endParaRPr lang="en-GB" dirty="0"/>
+          </a:p>
+        </p:txBody>
+      </p:sp>
+      <p:sp>
+        <p:nvSpPr>
+          <p:cNvPr id="10" name="Rectangle 9"/>
+          <p:cNvSpPr/>
+          <p:nvPr/>
+        </p:nvSpPr>
+        <p:spPr>
+          <a:xfrm>
+            <a:off x="232756" y="1911927"/>
+            <a:ext cx="1845426" cy="540328"/>
+          </a:xfrm>
+          <a:prstGeom prst="rect">
+            <a:avLst/>
+          </a:prstGeom>
+        </p:spPr>
+        <p:style>
+          <a:lnRef idx="2">
+            <a:schemeClr val="accent4"/>
+          </a:lnRef>
+          <a:fillRef idx="1">
+            <a:schemeClr val="lt1"/>
+          </a:fillRef>
+          <a:effectRef idx="0">
+            <a:schemeClr val="accent4"/>
+          </a:effectRef>
+          <a:fontRef idx="minor">
+            <a:schemeClr val="dk1"/>
+          </a:fontRef>
+        </p:style>
+        <p:txBody>
+          <a:bodyPr rtlCol="0" anchor="ctr"/>
+          <a:lstStyle/>
+          <a:p>
+            <a:pPr algn="ctr"/>
+            <a:r>
+              <a:rPr lang="en-GB" dirty="0" smtClean="0"/>
+              <a:t>Director name</a:t>
+            </a:r>
+            <a:endParaRPr lang="en-GB" dirty="0"/>
+          </a:p>
+        </p:txBody>
+      </p:sp>
+      <p:sp>
+        <p:nvSpPr>
+          <p:cNvPr id="11" name="Rectangle 10"/>
+          <p:cNvSpPr/>
+          <p:nvPr/>
+        </p:nvSpPr>
+        <p:spPr>
+          <a:xfrm>
+            <a:off x="232756" y="3416530"/>
+            <a:ext cx="1845426" cy="540328"/>
+          </a:xfrm>
+          <a:prstGeom prst="rect">
+            <a:avLst/>
+          </a:prstGeom>
+        </p:spPr>
+        <p:style>
+          <a:lnRef idx="2">
+            <a:schemeClr val="accent4"/>
+          </a:lnRef>
+          <a:fillRef idx="1">
+            <a:schemeClr val="lt1"/>
+          </a:fillRef>
+          <a:effectRef idx="0">
+            <a:schemeClr val="accent4"/>
+          </a:effectRef>
+          <a:fontRef idx="minor">
+            <a:schemeClr val="dk1"/>
+          </a:fontRef>
+        </p:style>
+        <p:txBody>
+          <a:bodyPr rtlCol="0" anchor="ctr"/>
+          <a:lstStyle/>
+          <a:p>
+            <a:pPr algn="ctr"/>
+            <a:r>
+              <a:rPr lang="en-GB" dirty="0" smtClean="0"/>
+              <a:t>Director age</a:t>
+            </a:r>
+            <a:endParaRPr lang="en-GB" dirty="0"/>
+          </a:p>
+        </p:txBody>
+      </p:sp>
+      <p:sp>
+        <p:nvSpPr>
+          <p:cNvPr id="12" name="Rectangle 11"/>
+          <p:cNvSpPr/>
+          <p:nvPr/>
+        </p:nvSpPr>
+        <p:spPr>
+          <a:xfrm>
+            <a:off x="332508" y="4921134"/>
+            <a:ext cx="1845426" cy="540328"/>
+          </a:xfrm>
+          <a:prstGeom prst="rect">
+            <a:avLst/>
+          </a:prstGeom>
+        </p:spPr>
+        <p:style>
+          <a:lnRef idx="2">
+            <a:schemeClr val="accent4"/>
+          </a:lnRef>
+          <a:fillRef idx="1">
+            <a:schemeClr val="lt1"/>
+          </a:fillRef>
+          <a:effectRef idx="0">
+            <a:schemeClr val="accent4"/>
+          </a:effectRef>
+          <a:fontRef idx="minor">
+            <a:schemeClr val="dk1"/>
+          </a:fontRef>
+        </p:style>
+        <p:txBody>
+          <a:bodyPr rtlCol="0" anchor="ctr"/>
+          <a:lstStyle/>
+          <a:p>
+            <a:pPr algn="ctr"/>
+            <a:r>
+              <a:rPr lang="en-GB" dirty="0" smtClean="0"/>
+              <a:t>Director date of birth</a:t>
+            </a:r>
+            <a:endParaRPr lang="en-GB" dirty="0"/>
+          </a:p>
+        </p:txBody>
+      </p:sp>
+      <p:sp>
+        <p:nvSpPr>
+          <p:cNvPr id="13" name="Rectangle 12"/>
+          <p:cNvSpPr/>
+          <p:nvPr/>
+        </p:nvSpPr>
+        <p:spPr>
+          <a:xfrm>
+            <a:off x="5918662" y="1799705"/>
+            <a:ext cx="1745673" cy="1886989"/>
+          </a:xfrm>
+          <a:prstGeom prst="rect">
+            <a:avLst/>
+          </a:prstGeom>
+        </p:spPr>
+        <p:style>
+          <a:lnRef idx="2">
+            <a:schemeClr val="accent4"/>
+          </a:lnRef>
+          <a:fillRef idx="1">
+            <a:schemeClr val="lt1"/>
+          </a:fillRef>
+          <a:effectRef idx="0">
+            <a:schemeClr val="accent4"/>
+          </a:effectRef>
+          <a:fontRef idx="minor">
+            <a:schemeClr val="dk1"/>
+          </a:fontRef>
+        </p:style>
+        <p:txBody>
+          <a:bodyPr rtlCol="0" anchor="ctr"/>
+          <a:lstStyle/>
+          <a:p>
+            <a:pPr algn="ctr"/>
+            <a:r>
+              <a:rPr lang="en-GB" dirty="0" smtClean="0"/>
+              <a:t>Filmography</a:t>
+            </a:r>
+            <a:endParaRPr lang="en-GB" dirty="0"/>
+          </a:p>
+        </p:txBody>
+      </p:sp>
+      <p:sp>
+        <p:nvSpPr>
+          <p:cNvPr id="14" name="Rectangle 13"/>
+          <p:cNvSpPr/>
+          <p:nvPr/>
+        </p:nvSpPr>
+        <p:spPr>
+          <a:xfrm>
+            <a:off x="7789025" y="1371599"/>
+            <a:ext cx="4089862" cy="4165739"/>
+          </a:xfrm>
+          <a:prstGeom prst="rect">
+            <a:avLst/>
+          </a:prstGeom>
+        </p:spPr>
+        <p:style>
+          <a:lnRef idx="2">
+            <a:schemeClr val="accent4"/>
+          </a:lnRef>
+          <a:fillRef idx="1">
+            <a:schemeClr val="lt1"/>
+          </a:fillRef>
+          <a:effectRef idx="0">
+            <a:schemeClr val="accent4"/>
+          </a:effectRef>
+          <a:fontRef idx="minor">
+            <a:schemeClr val="dk1"/>
+          </a:fontRef>
+        </p:style>
+        <p:txBody>
+          <a:bodyPr rtlCol="0" anchor="ctr"/>
+          <a:lstStyle/>
+          <a:p>
+            <a:pPr algn="ctr"/>
+            <a:r>
+              <a:rPr lang="en-GB" dirty="0" smtClean="0"/>
+              <a:t>User Comments</a:t>
+            </a:r>
+            <a:endParaRPr lang="en-GB" dirty="0"/>
+          </a:p>
+        </p:txBody>
+      </p:sp>
+      <p:sp>
+        <p:nvSpPr>
+          <p:cNvPr id="15" name="Rectangle 14"/>
+          <p:cNvSpPr/>
+          <p:nvPr/>
+        </p:nvSpPr>
+        <p:spPr>
+          <a:xfrm>
+            <a:off x="7789025" y="5627716"/>
+            <a:ext cx="4089862" cy="648485"/>
+          </a:xfrm>
+          <a:prstGeom prst="rect">
+            <a:avLst/>
+          </a:prstGeom>
+        </p:spPr>
+        <p:style>
+          <a:lnRef idx="2">
+            <a:schemeClr val="accent4"/>
+          </a:lnRef>
+          <a:fillRef idx="1">
+            <a:schemeClr val="lt1"/>
+          </a:fillRef>
+          <a:effectRef idx="0">
+            <a:schemeClr val="accent4"/>
+          </a:effectRef>
+          <a:fontRef idx="minor">
+            <a:schemeClr val="dk1"/>
+          </a:fontRef>
+        </p:style>
+        <p:txBody>
+          <a:bodyPr rtlCol="0" anchor="ctr"/>
+          <a:lstStyle/>
+          <a:p>
+            <a:pPr algn="ctr"/>
+            <a:r>
+              <a:rPr lang="en-GB" dirty="0" smtClean="0"/>
+              <a:t>Add Comment</a:t>
+            </a:r>
+            <a:endParaRPr lang="en-GB" dirty="0"/>
+          </a:p>
+        </p:txBody>
+      </p:sp>
+      <p:sp>
+        <p:nvSpPr>
+          <p:cNvPr id="16" name="Rectangle 15"/>
+          <p:cNvSpPr/>
+          <p:nvPr/>
+        </p:nvSpPr>
+        <p:spPr>
+          <a:xfrm>
+            <a:off x="2173778" y="181094"/>
+            <a:ext cx="5848004" cy="369332"/>
+          </a:xfrm>
+          <a:prstGeom prst="rect">
+            <a:avLst/>
+          </a:prstGeom>
+        </p:spPr>
+        <p:style>
+          <a:lnRef idx="2">
+            <a:schemeClr val="dk1"/>
+          </a:lnRef>
+          <a:fillRef idx="1">
+            <a:schemeClr val="lt1"/>
+          </a:fillRef>
+          <a:effectRef idx="0">
+            <a:schemeClr val="dk1"/>
+          </a:effectRef>
+          <a:fontRef idx="minor">
+            <a:schemeClr val="dk1"/>
+          </a:fontRef>
+        </p:style>
+        <p:txBody>
+          <a:bodyPr rtlCol="0" anchor="ctr"/>
+          <a:lstStyle/>
+          <a:p>
+            <a:pPr algn="ctr"/>
+            <a:r>
+              <a:rPr lang="en-GB" sz="1400" dirty="0" smtClean="0"/>
+              <a:t>Movies             Actors              Directors           Genres       </a:t>
+            </a:r>
+            <a:endParaRPr lang="en-GB" sz="1400" dirty="0"/>
           </a:p>
         </p:txBody>
       </p:sp>
